--- a/Project_Week_7/Precise Analysis.pptx
+++ b/Project_Week_7/Precise Analysis.pptx
@@ -108,6 +108,11 @@
       </a:defRPr>
     </a:lvl9pPr>
   </p:defaultTextStyle>
+  <p:extLst>
+    <p:ext uri="{EFAFB233-063F-42B5-8137-9DF3F51BA10A}">
+      <p15:sldGuideLst xmlns:p15="http://schemas.microsoft.com/office/powerpoint/2012/main"/>
+    </p:ext>
+  </p:extLst>
 </p:presentation>
 </file>
 
@@ -312,7 +317,7 @@
           <a:p>
             <a:fld id="{59436D6C-09F6-4967-B045-448DC0A44960}" type="slidenum">
               <a:rPr lang="de-DE" smtClean="0"/>
-              <a:t>‹Nr.›</a:t>
+              <a:t>‹#›</a:t>
             </a:fld>
             <a:endParaRPr lang="de-DE"/>
           </a:p>
@@ -510,7 +515,7 @@
           <a:p>
             <a:fld id="{59436D6C-09F6-4967-B045-448DC0A44960}" type="slidenum">
               <a:rPr lang="de-DE" smtClean="0"/>
-              <a:t>‹Nr.›</a:t>
+              <a:t>‹#›</a:t>
             </a:fld>
             <a:endParaRPr lang="de-DE"/>
           </a:p>
@@ -718,7 +723,7 @@
           <a:p>
             <a:fld id="{59436D6C-09F6-4967-B045-448DC0A44960}" type="slidenum">
               <a:rPr lang="de-DE" smtClean="0"/>
-              <a:t>‹Nr.›</a:t>
+              <a:t>‹#›</a:t>
             </a:fld>
             <a:endParaRPr lang="de-DE"/>
           </a:p>
@@ -916,7 +921,7 @@
           <a:p>
             <a:fld id="{59436D6C-09F6-4967-B045-448DC0A44960}" type="slidenum">
               <a:rPr lang="de-DE" smtClean="0"/>
-              <a:t>‹Nr.›</a:t>
+              <a:t>‹#›</a:t>
             </a:fld>
             <a:endParaRPr lang="de-DE"/>
           </a:p>
@@ -1191,7 +1196,7 @@
           <a:p>
             <a:fld id="{59436D6C-09F6-4967-B045-448DC0A44960}" type="slidenum">
               <a:rPr lang="de-DE" smtClean="0"/>
-              <a:t>‹Nr.›</a:t>
+              <a:t>‹#›</a:t>
             </a:fld>
             <a:endParaRPr lang="de-DE"/>
           </a:p>
@@ -1456,7 +1461,7 @@
           <a:p>
             <a:fld id="{59436D6C-09F6-4967-B045-448DC0A44960}" type="slidenum">
               <a:rPr lang="de-DE" smtClean="0"/>
-              <a:t>‹Nr.›</a:t>
+              <a:t>‹#›</a:t>
             </a:fld>
             <a:endParaRPr lang="de-DE"/>
           </a:p>
@@ -1868,7 +1873,7 @@
           <a:p>
             <a:fld id="{59436D6C-09F6-4967-B045-448DC0A44960}" type="slidenum">
               <a:rPr lang="de-DE" smtClean="0"/>
-              <a:t>‹Nr.›</a:t>
+              <a:t>‹#›</a:t>
             </a:fld>
             <a:endParaRPr lang="de-DE"/>
           </a:p>
@@ -2009,7 +2014,7 @@
           <a:p>
             <a:fld id="{59436D6C-09F6-4967-B045-448DC0A44960}" type="slidenum">
               <a:rPr lang="de-DE" smtClean="0"/>
-              <a:t>‹Nr.›</a:t>
+              <a:t>‹#›</a:t>
             </a:fld>
             <a:endParaRPr lang="de-DE"/>
           </a:p>
@@ -2122,7 +2127,7 @@
           <a:p>
             <a:fld id="{59436D6C-09F6-4967-B045-448DC0A44960}" type="slidenum">
               <a:rPr lang="de-DE" smtClean="0"/>
-              <a:t>‹Nr.›</a:t>
+              <a:t>‹#›</a:t>
             </a:fld>
             <a:endParaRPr lang="de-DE"/>
           </a:p>
@@ -2433,7 +2438,7 @@
           <a:p>
             <a:fld id="{59436D6C-09F6-4967-B045-448DC0A44960}" type="slidenum">
               <a:rPr lang="de-DE" smtClean="0"/>
-              <a:t>‹Nr.›</a:t>
+              <a:t>‹#›</a:t>
             </a:fld>
             <a:endParaRPr lang="de-DE"/>
           </a:p>
@@ -2721,7 +2726,7 @@
           <a:p>
             <a:fld id="{59436D6C-09F6-4967-B045-448DC0A44960}" type="slidenum">
               <a:rPr lang="de-DE" smtClean="0"/>
-              <a:t>‹Nr.›</a:t>
+              <a:t>‹#›</a:t>
             </a:fld>
             <a:endParaRPr lang="de-DE"/>
           </a:p>
@@ -2998,7 +3003,7 @@
           <a:p>
             <a:fld id="{59436D6C-09F6-4967-B045-448DC0A44960}" type="slidenum">
               <a:rPr lang="de-DE" smtClean="0"/>
-              <a:t>‹Nr.›</a:t>
+              <a:t>‹#›</a:t>
             </a:fld>
             <a:endParaRPr lang="de-DE"/>
           </a:p>
@@ -3398,6 +3403,14 @@
 <file path=ppt/slides/slide2.xml><?xml version="1.0" encoding="utf-8"?>
 <p:sld xmlns:a="http://schemas.openxmlformats.org/drawingml/2006/main" xmlns:r="http://schemas.openxmlformats.org/officeDocument/2006/relationships" xmlns:p="http://schemas.openxmlformats.org/presentationml/2006/main">
   <p:cSld>
+    <p:bg>
+      <p:bgPr>
+        <a:solidFill>
+          <a:schemeClr val="bg1"/>
+        </a:solidFill>
+        <a:effectLst/>
+      </p:bgPr>
+    </p:bg>
     <p:spTree>
       <p:nvGrpSpPr>
         <p:cNvPr id="1" name=""/>
@@ -3414,63 +3427,144 @@
       </p:grpSpPr>
       <p:sp>
         <p:nvSpPr>
-          <p:cNvPr id="2" name="Titel 1">
-            <a:extLst>
-              <a:ext uri="{FF2B5EF4-FFF2-40B4-BE49-F238E27FC236}">
-                <a16:creationId xmlns:a16="http://schemas.microsoft.com/office/drawing/2014/main" id="{229596F5-1B2D-472E-BA5F-78CC9907A154}"/>
-              </a:ext>
-            </a:extLst>
-          </p:cNvPr>
-          <p:cNvSpPr>
-            <a:spLocks noGrp="1"/>
-          </p:cNvSpPr>
-          <p:nvPr>
-            <p:ph type="title"/>
+          <p:cNvPr id="15" name="Rectangle 14">
+            <a:extLst>
+              <a:ext uri="{FF2B5EF4-FFF2-40B4-BE49-F238E27FC236}">
+                <a16:creationId xmlns:a16="http://schemas.microsoft.com/office/drawing/2014/main" id="{6F66A575-7835-4400-BEDE-89F2EF034034}"/>
+              </a:ext>
+              <a:ext uri="{C183D7F6-B498-43B3-948B-1728B52AA6E4}">
+                <adec:decorative xmlns:adec="http://schemas.microsoft.com/office/drawing/2017/decorative" val="1"/>
+              </a:ext>
+            </a:extLst>
+          </p:cNvPr>
+          <p:cNvSpPr>
+            <a:spLocks noGrp="1" noRot="1" noChangeAspect="1" noMove="1" noResize="1" noEditPoints="1" noAdjustHandles="1" noChangeArrowheads="1" noChangeShapeType="1" noTextEdit="1"/>
+          </p:cNvSpPr>
+          <p:nvPr>
+            <p:extLst>
+              <p:ext uri="{386F3935-93C4-4BCD-93E2-E3B085C9AB24}">
+                <p16:designElem xmlns:p16="http://schemas.microsoft.com/office/powerpoint/2015/main" val="1"/>
+              </p:ext>
+            </p:extLst>
           </p:nvPr>
         </p:nvSpPr>
         <p:spPr>
           <a:xfrm>
-            <a:off x="838200" y="347370"/>
-            <a:ext cx="10515600" cy="1325563"/>
+            <a:off x="0" y="0"/>
+            <a:ext cx="5468548" cy="6858000"/>
+          </a:xfrm>
+          <a:prstGeom prst="rect">
+            <a:avLst/>
+          </a:prstGeom>
+          <a:solidFill>
+            <a:srgbClr val="684F47"/>
+          </a:solidFill>
+          <a:ln>
+            <a:noFill/>
+          </a:ln>
+        </p:spPr>
+        <p:style>
+          <a:lnRef idx="2">
+            <a:schemeClr val="accent1">
+              <a:shade val="50000"/>
+            </a:schemeClr>
+          </a:lnRef>
+          <a:fillRef idx="1">
+            <a:schemeClr val="accent1"/>
+          </a:fillRef>
+          <a:effectRef idx="0">
+            <a:schemeClr val="accent1"/>
+          </a:effectRef>
+          <a:fontRef idx="minor">
+            <a:schemeClr val="lt1"/>
+          </a:fontRef>
+        </p:style>
+        <p:txBody>
+          <a:bodyPr rtlCol="0" anchor="ctr"/>
+          <a:lstStyle/>
+          <a:p>
+            <a:pPr algn="ctr"/>
+            <a:endParaRPr lang="en-US"/>
+          </a:p>
+        </p:txBody>
+      </p:sp>
+      <p:sp>
+        <p:nvSpPr>
+          <p:cNvPr id="2" name="Titel 1">
+            <a:extLst>
+              <a:ext uri="{FF2B5EF4-FFF2-40B4-BE49-F238E27FC236}">
+                <a16:creationId xmlns:a16="http://schemas.microsoft.com/office/drawing/2014/main" id="{229596F5-1B2D-472E-BA5F-78CC9907A154}"/>
+              </a:ext>
+            </a:extLst>
+          </p:cNvPr>
+          <p:cNvSpPr>
+            <a:spLocks noGrp="1"/>
+          </p:cNvSpPr>
+          <p:nvPr>
+            <p:ph type="title"/>
+          </p:nvPr>
+        </p:nvSpPr>
+        <p:spPr>
+          <a:xfrm>
+            <a:off x="621629" y="640080"/>
+            <a:ext cx="4225290" cy="5578816"/>
           </a:xfrm>
         </p:spPr>
         <p:txBody>
-          <a:bodyPr/>
+          <a:bodyPr vert="horz" lIns="91440" tIns="45720" rIns="91440" bIns="45720" rtlCol="0" anchor="ctr">
+            <a:normAutofit/>
+          </a:bodyPr>
           <a:lstStyle/>
           <a:p>
             <a:pPr algn="ctr"/>
             <a:r>
-              <a:rPr lang="de-DE" dirty="0"/>
-              <a:t>USE CLASS DIAGRAM</a:t>
-            </a:r>
-          </a:p>
-        </p:txBody>
-      </p:sp>
-      <p:sp>
-        <p:nvSpPr>
-          <p:cNvPr id="3" name="Inhaltsplatzhalter 2">
-            <a:extLst>
-              <a:ext uri="{FF2B5EF4-FFF2-40B4-BE49-F238E27FC236}">
-                <a16:creationId xmlns:a16="http://schemas.microsoft.com/office/drawing/2014/main" id="{D7D867BB-5FA2-483B-ABCD-3C8F448DD8B2}"/>
-              </a:ext>
-            </a:extLst>
-          </p:cNvPr>
-          <p:cNvSpPr>
-            <a:spLocks noGrp="1"/>
-          </p:cNvSpPr>
+              <a:rPr lang="en-US">
+                <a:solidFill>
+                  <a:srgbClr val="FFFFFF"/>
+                </a:solidFill>
+              </a:rPr>
+              <a:t>USE CASE DIAGRAM</a:t>
+            </a:r>
+          </a:p>
+        </p:txBody>
+      </p:sp>
+      <p:pic>
+        <p:nvPicPr>
+          <p:cNvPr id="5" name="Content Placeholder 4" descr="Diagram&#10;&#10;Description automatically generated">
+            <a:extLst>
+              <a:ext uri="{FF2B5EF4-FFF2-40B4-BE49-F238E27FC236}">
+                <a16:creationId xmlns:a16="http://schemas.microsoft.com/office/drawing/2014/main" id="{0AC7602F-6597-46C4-A904-F3869F14CD35}"/>
+              </a:ext>
+            </a:extLst>
+          </p:cNvPr>
+          <p:cNvPicPr>
+            <a:picLocks noGrp="1" noChangeAspect="1"/>
+          </p:cNvPicPr>
           <p:nvPr>
             <p:ph idx="1"/>
           </p:nvPr>
-        </p:nvSpPr>
-        <p:spPr/>
-        <p:txBody>
-          <a:bodyPr/>
-          <a:lstStyle/>
-          <a:p>
-            <a:endParaRPr lang="de-DE"/>
-          </a:p>
-        </p:txBody>
-      </p:sp>
+        </p:nvPicPr>
+        <p:blipFill rotWithShape="1">
+          <a:blip r:embed="rId2">
+            <a:extLst>
+              <a:ext uri="{28A0092B-C50C-407E-A947-70E740481C1C}">
+                <a14:useLocalDpi xmlns:a14="http://schemas.microsoft.com/office/drawing/2010/main" val="0"/>
+              </a:ext>
+            </a:extLst>
+          </a:blip>
+          <a:srcRect l="7554" r="1679" b="-2"/>
+          <a:stretch/>
+        </p:blipFill>
+        <p:spPr>
+          <a:xfrm>
+            <a:off x="6096000" y="640080"/>
+            <a:ext cx="5459470" cy="5578816"/>
+          </a:xfrm>
+          <a:prstGeom prst="rect">
+            <a:avLst/>
+          </a:prstGeom>
+        </p:spPr>
+      </p:pic>
     </p:spTree>
     <p:extLst>
       <p:ext uri="{BB962C8B-B14F-4D97-AF65-F5344CB8AC3E}">

--- a/Project_Week_7/Precise Analysis.pptx
+++ b/Project_Week_7/Precise Analysis.pptx
@@ -7,9 +7,10 @@
   <p:sldIdLst>
     <p:sldId id="256" r:id="rId2"/>
     <p:sldId id="257" r:id="rId3"/>
-    <p:sldId id="258" r:id="rId4"/>
-    <p:sldId id="259" r:id="rId5"/>
-    <p:sldId id="260" r:id="rId6"/>
+    <p:sldId id="261" r:id="rId4"/>
+    <p:sldId id="258" r:id="rId5"/>
+    <p:sldId id="259" r:id="rId6"/>
+    <p:sldId id="260" r:id="rId7"/>
   </p:sldIdLst>
   <p:sldSz cx="12192000" cy="6858000"/>
   <p:notesSz cx="6858000" cy="9144000"/>
@@ -3605,7 +3606,7 @@
       </p:grpSpPr>
       <p:sp>
         <p:nvSpPr>
-          <p:cNvPr id="13" name="Rectangle 9">
+          <p:cNvPr id="15" name="Rectangle 14">
             <a:extLst>
               <a:ext uri="{FF2B5EF4-FFF2-40B4-BE49-F238E27FC236}">
                 <a16:creationId xmlns:a16="http://schemas.microsoft.com/office/drawing/2014/main" id="{16C5FA50-8D52-4617-AF91-5C7B1C8352F1}"/>
@@ -3635,7 +3636,7 @@
             <a:avLst/>
           </a:prstGeom>
           <a:solidFill>
-            <a:srgbClr val="655057"/>
+            <a:srgbClr val="465562"/>
           </a:solidFill>
           <a:ln>
             <a:noFill/>
@@ -3668,10 +3669,10 @@
       </p:sp>
       <p:sp>
         <p:nvSpPr>
-          <p:cNvPr id="2" name="Titel 1">
-            <a:extLst>
-              <a:ext uri="{FF2B5EF4-FFF2-40B4-BE49-F238E27FC236}">
-                <a16:creationId xmlns:a16="http://schemas.microsoft.com/office/drawing/2014/main" id="{686BFF39-806B-4BB8-BF1D-B4723F11FD85}"/>
+          <p:cNvPr id="2" name="Title 1">
+            <a:extLst>
+              <a:ext uri="{FF2B5EF4-FFF2-40B4-BE49-F238E27FC236}">
+                <a16:creationId xmlns:a16="http://schemas.microsoft.com/office/drawing/2014/main" id="{DB550103-22BA-44C2-A647-FBC879DC4A7F}"/>
               </a:ext>
             </a:extLst>
           </p:cNvPr>
@@ -3695,19 +3696,19 @@
           <a:lstStyle/>
           <a:p>
             <a:r>
-              <a:rPr lang="en-US" sz="3600">
+              <a:rPr lang="en-US" sz="3600" dirty="0">
                 <a:solidFill>
                   <a:srgbClr val="FFFFFF"/>
                 </a:solidFill>
               </a:rPr>
-              <a:t>SEQEUNCE DIAGRAM FOR LOGIN</a:t>
-            </a:r>
-          </a:p>
-        </p:txBody>
-      </p:sp>
-      <p:sp>
-        <p:nvSpPr>
-          <p:cNvPr id="12" name="Rounded Rectangle 9">
+              <a:t>Class Diagram</a:t>
+            </a:r>
+          </a:p>
+        </p:txBody>
+      </p:sp>
+      <p:sp>
+        <p:nvSpPr>
+          <p:cNvPr id="17" name="Rounded Rectangle 9">
             <a:extLst>
               <a:ext uri="{FF2B5EF4-FFF2-40B4-BE49-F238E27FC236}">
                 <a16:creationId xmlns:a16="http://schemas.microsoft.com/office/drawing/2014/main" id="{E223798C-12AD-4B0C-A50C-D676347D67CF}"/>
@@ -3781,10 +3782,10 @@
       </p:sp>
       <p:pic>
         <p:nvPicPr>
-          <p:cNvPr id="5" name="Inhaltsplatzhalter 4">
-            <a:extLst>
-              <a:ext uri="{FF2B5EF4-FFF2-40B4-BE49-F238E27FC236}">
-                <a16:creationId xmlns:a16="http://schemas.microsoft.com/office/drawing/2014/main" id="{621E4AA9-ECC6-421F-B3C5-117B91059083}"/>
+          <p:cNvPr id="5" name="Content Placeholder 4" descr="Diagram&#10;&#10;Description automatically generated">
+            <a:extLst>
+              <a:ext uri="{FF2B5EF4-FFF2-40B4-BE49-F238E27FC236}">
+                <a16:creationId xmlns:a16="http://schemas.microsoft.com/office/drawing/2014/main" id="{A7AB72A7-54ED-4D82-ABE5-AD44C586659F}"/>
               </a:ext>
             </a:extLst>
           </p:cNvPr>
@@ -3803,13 +3804,13 @@
               </a:ext>
             </a:extLst>
           </a:blip>
-          <a:srcRect l="4763" r="8085" b="-2"/>
+          <a:srcRect l="-3253" t="1" r="-1675" b="1"/>
           <a:stretch/>
         </p:blipFill>
         <p:spPr>
           <a:xfrm>
-            <a:off x="976251" y="942538"/>
-            <a:ext cx="7163222" cy="4808332"/>
+            <a:off x="493354" y="942538"/>
+            <a:ext cx="8008620" cy="4808332"/>
           </a:xfrm>
           <a:prstGeom prst="rect">
             <a:avLst/>
@@ -3820,7 +3821,7 @@
     </p:spTree>
     <p:extLst>
       <p:ext uri="{BB962C8B-B14F-4D97-AF65-F5344CB8AC3E}">
-        <p14:creationId xmlns:p14="http://schemas.microsoft.com/office/powerpoint/2010/main" val="770389619"/>
+        <p14:creationId xmlns:p14="http://schemas.microsoft.com/office/powerpoint/2010/main" val="161351460"/>
       </p:ext>
     </p:extLst>
   </p:cSld>
@@ -3857,7 +3858,7 @@
       </p:grpSpPr>
       <p:sp>
         <p:nvSpPr>
-          <p:cNvPr id="10" name="Rectangle 9">
+          <p:cNvPr id="13" name="Rectangle 9">
             <a:extLst>
               <a:ext uri="{FF2B5EF4-FFF2-40B4-BE49-F238E27FC236}">
                 <a16:creationId xmlns:a16="http://schemas.microsoft.com/office/drawing/2014/main" id="{16C5FA50-8D52-4617-AF91-5C7B1C8352F1}"/>
@@ -3887,7 +3888,7 @@
             <a:avLst/>
           </a:prstGeom>
           <a:solidFill>
-            <a:srgbClr val="919169"/>
+            <a:srgbClr val="655057"/>
           </a:solidFill>
           <a:ln>
             <a:noFill/>
@@ -3923,7 +3924,7 @@
           <p:cNvPr id="2" name="Titel 1">
             <a:extLst>
               <a:ext uri="{FF2B5EF4-FFF2-40B4-BE49-F238E27FC236}">
-                <a16:creationId xmlns:a16="http://schemas.microsoft.com/office/drawing/2014/main" id="{D6603AF2-DDFE-4DF4-A2BF-A9659BD652CF}"/>
+                <a16:creationId xmlns:a16="http://schemas.microsoft.com/office/drawing/2014/main" id="{686BFF39-806B-4BB8-BF1D-B4723F11FD85}"/>
               </a:ext>
             </a:extLst>
           </p:cNvPr>
@@ -3952,7 +3953,7 @@
                   <a:srgbClr val="FFFFFF"/>
                 </a:solidFill>
               </a:rPr>
-              <a:t>SEQEUNCE DIAGRAM FOR HOME APPLIANCES</a:t>
+              <a:t>SEQEUNCE DIAGRAM FOR LOGIN</a:t>
             </a:r>
           </a:p>
         </p:txBody>
@@ -4033,6 +4034,258 @@
       </p:sp>
       <p:pic>
         <p:nvPicPr>
+          <p:cNvPr id="5" name="Inhaltsplatzhalter 4">
+            <a:extLst>
+              <a:ext uri="{FF2B5EF4-FFF2-40B4-BE49-F238E27FC236}">
+                <a16:creationId xmlns:a16="http://schemas.microsoft.com/office/drawing/2014/main" id="{621E4AA9-ECC6-421F-B3C5-117B91059083}"/>
+              </a:ext>
+            </a:extLst>
+          </p:cNvPr>
+          <p:cNvPicPr>
+            <a:picLocks noGrp="1" noChangeAspect="1"/>
+          </p:cNvPicPr>
+          <p:nvPr>
+            <p:ph idx="1"/>
+          </p:nvPr>
+        </p:nvPicPr>
+        <p:blipFill rotWithShape="1">
+          <a:blip r:embed="rId2">
+            <a:extLst>
+              <a:ext uri="{28A0092B-C50C-407E-A947-70E740481C1C}">
+                <a14:useLocalDpi xmlns:a14="http://schemas.microsoft.com/office/drawing/2010/main" val="0"/>
+              </a:ext>
+            </a:extLst>
+          </a:blip>
+          <a:srcRect l="4763" r="8085" b="-2"/>
+          <a:stretch/>
+        </p:blipFill>
+        <p:spPr>
+          <a:xfrm>
+            <a:off x="976251" y="942538"/>
+            <a:ext cx="7163222" cy="4808332"/>
+          </a:xfrm>
+          <a:prstGeom prst="rect">
+            <a:avLst/>
+          </a:prstGeom>
+          <a:effectLst/>
+        </p:spPr>
+      </p:pic>
+    </p:spTree>
+    <p:extLst>
+      <p:ext uri="{BB962C8B-B14F-4D97-AF65-F5344CB8AC3E}">
+        <p14:creationId xmlns:p14="http://schemas.microsoft.com/office/powerpoint/2010/main" val="770389619"/>
+      </p:ext>
+    </p:extLst>
+  </p:cSld>
+  <p:clrMapOvr>
+    <a:masterClrMapping/>
+  </p:clrMapOvr>
+</p:sld>
+</file>
+
+<file path=ppt/slides/slide5.xml><?xml version="1.0" encoding="utf-8"?>
+<p:sld xmlns:a="http://schemas.openxmlformats.org/drawingml/2006/main" xmlns:r="http://schemas.openxmlformats.org/officeDocument/2006/relationships" xmlns:p="http://schemas.openxmlformats.org/presentationml/2006/main">
+  <p:cSld>
+    <p:bg>
+      <p:bgPr>
+        <a:solidFill>
+          <a:schemeClr val="bg2"/>
+        </a:solidFill>
+        <a:effectLst/>
+      </p:bgPr>
+    </p:bg>
+    <p:spTree>
+      <p:nvGrpSpPr>
+        <p:cNvPr id="1" name=""/>
+        <p:cNvGrpSpPr/>
+        <p:nvPr/>
+      </p:nvGrpSpPr>
+      <p:grpSpPr>
+        <a:xfrm>
+          <a:off x="0" y="0"/>
+          <a:ext cx="0" cy="0"/>
+          <a:chOff x="0" y="0"/>
+          <a:chExt cx="0" cy="0"/>
+        </a:xfrm>
+      </p:grpSpPr>
+      <p:sp>
+        <p:nvSpPr>
+          <p:cNvPr id="10" name="Rectangle 9">
+            <a:extLst>
+              <a:ext uri="{FF2B5EF4-FFF2-40B4-BE49-F238E27FC236}">
+                <a16:creationId xmlns:a16="http://schemas.microsoft.com/office/drawing/2014/main" id="{16C5FA50-8D52-4617-AF91-5C7B1C8352F1}"/>
+              </a:ext>
+              <a:ext uri="{C183D7F6-B498-43B3-948B-1728B52AA6E4}">
+                <adec:decorative xmlns:adec="http://schemas.microsoft.com/office/drawing/2017/decorative" val="1"/>
+              </a:ext>
+            </a:extLst>
+          </p:cNvPr>
+          <p:cNvSpPr>
+            <a:spLocks noGrp="1" noRot="1" noChangeAspect="1" noMove="1" noResize="1" noEditPoints="1" noAdjustHandles="1" noChangeArrowheads="1" noChangeShapeType="1" noTextEdit="1"/>
+          </p:cNvSpPr>
+          <p:nvPr>
+            <p:extLst>
+              <p:ext uri="{386F3935-93C4-4BCD-93E2-E3B085C9AB24}">
+                <p16:designElem xmlns:p16="http://schemas.microsoft.com/office/powerpoint/2015/main" val="1"/>
+              </p:ext>
+            </p:extLst>
+          </p:nvPr>
+        </p:nvSpPr>
+        <p:spPr>
+          <a:xfrm>
+            <a:off x="0" y="0"/>
+            <a:ext cx="12192000" cy="6858000"/>
+          </a:xfrm>
+          <a:prstGeom prst="rect">
+            <a:avLst/>
+          </a:prstGeom>
+          <a:solidFill>
+            <a:srgbClr val="919169"/>
+          </a:solidFill>
+          <a:ln>
+            <a:noFill/>
+          </a:ln>
+        </p:spPr>
+        <p:style>
+          <a:lnRef idx="2">
+            <a:schemeClr val="accent1">
+              <a:shade val="50000"/>
+            </a:schemeClr>
+          </a:lnRef>
+          <a:fillRef idx="1">
+            <a:schemeClr val="accent1"/>
+          </a:fillRef>
+          <a:effectRef idx="0">
+            <a:schemeClr val="accent1"/>
+          </a:effectRef>
+          <a:fontRef idx="minor">
+            <a:schemeClr val="lt1"/>
+          </a:fontRef>
+        </p:style>
+        <p:txBody>
+          <a:bodyPr rtlCol="0" anchor="ctr"/>
+          <a:lstStyle/>
+          <a:p>
+            <a:pPr algn="ctr"/>
+            <a:endParaRPr lang="en-US"/>
+          </a:p>
+        </p:txBody>
+      </p:sp>
+      <p:sp>
+        <p:nvSpPr>
+          <p:cNvPr id="2" name="Titel 1">
+            <a:extLst>
+              <a:ext uri="{FF2B5EF4-FFF2-40B4-BE49-F238E27FC236}">
+                <a16:creationId xmlns:a16="http://schemas.microsoft.com/office/drawing/2014/main" id="{D6603AF2-DDFE-4DF4-A2BF-A9659BD652CF}"/>
+              </a:ext>
+            </a:extLst>
+          </p:cNvPr>
+          <p:cNvSpPr>
+            <a:spLocks noGrp="1"/>
+          </p:cNvSpPr>
+          <p:nvPr>
+            <p:ph type="title"/>
+          </p:nvPr>
+        </p:nvSpPr>
+        <p:spPr>
+          <a:xfrm>
+            <a:off x="9093496" y="618681"/>
+            <a:ext cx="2613872" cy="4794567"/>
+          </a:xfrm>
+        </p:spPr>
+        <p:txBody>
+          <a:bodyPr vert="horz" lIns="91440" tIns="45720" rIns="91440" bIns="45720" rtlCol="0" anchor="ctr">
+            <a:normAutofit/>
+          </a:bodyPr>
+          <a:lstStyle/>
+          <a:p>
+            <a:r>
+              <a:rPr lang="en-US" sz="3600">
+                <a:solidFill>
+                  <a:srgbClr val="FFFFFF"/>
+                </a:solidFill>
+              </a:rPr>
+              <a:t>SEQEUNCE DIAGRAM FOR HOME APPLIANCES</a:t>
+            </a:r>
+          </a:p>
+        </p:txBody>
+      </p:sp>
+      <p:sp>
+        <p:nvSpPr>
+          <p:cNvPr id="12" name="Rounded Rectangle 9">
+            <a:extLst>
+              <a:ext uri="{FF2B5EF4-FFF2-40B4-BE49-F238E27FC236}">
+                <a16:creationId xmlns:a16="http://schemas.microsoft.com/office/drawing/2014/main" id="{E223798C-12AD-4B0C-A50C-D676347D67CF}"/>
+              </a:ext>
+              <a:ext uri="{C183D7F6-B498-43B3-948B-1728B52AA6E4}">
+                <adec:decorative xmlns:adec="http://schemas.microsoft.com/office/drawing/2017/decorative" val="1"/>
+              </a:ext>
+            </a:extLst>
+          </p:cNvPr>
+          <p:cNvSpPr>
+            <a:spLocks noGrp="1" noRot="1" noChangeAspect="1" noMove="1" noResize="1" noEditPoints="1" noAdjustHandles="1" noChangeArrowheads="1" noChangeShapeType="1" noTextEdit="1"/>
+          </p:cNvSpPr>
+          <p:nvPr>
+            <p:extLst>
+              <p:ext uri="{386F3935-93C4-4BCD-93E2-E3B085C9AB24}">
+                <p16:designElem xmlns:p16="http://schemas.microsoft.com/office/powerpoint/2015/main" val="1"/>
+              </p:ext>
+            </p:extLst>
+          </p:nvPr>
+        </p:nvSpPr>
+        <p:spPr>
+          <a:xfrm>
+            <a:off x="493354" y="484632"/>
+            <a:ext cx="8129016" cy="5724144"/>
+          </a:xfrm>
+          <a:prstGeom prst="roundRect">
+            <a:avLst>
+              <a:gd name="adj" fmla="val 0"/>
+            </a:avLst>
+          </a:prstGeom>
+          <a:solidFill>
+            <a:srgbClr val="FFFFFF"/>
+          </a:solidFill>
+          <a:ln w="9525">
+            <a:solidFill>
+              <a:srgbClr val="C8CACA"/>
+            </a:solidFill>
+          </a:ln>
+          <a:effectLst>
+            <a:outerShdw blurRad="57150" dist="19050" dir="5400000" algn="t" rotWithShape="0">
+              <a:prstClr val="black">
+                <a:alpha val="63000"/>
+              </a:prstClr>
+            </a:outerShdw>
+          </a:effectLst>
+        </p:spPr>
+        <p:style>
+          <a:lnRef idx="2">
+            <a:schemeClr val="accent1">
+              <a:shade val="50000"/>
+            </a:schemeClr>
+          </a:lnRef>
+          <a:fillRef idx="1">
+            <a:schemeClr val="accent1"/>
+          </a:fillRef>
+          <a:effectRef idx="0">
+            <a:schemeClr val="accent1"/>
+          </a:effectRef>
+          <a:fontRef idx="minor">
+            <a:schemeClr val="lt1"/>
+          </a:fontRef>
+        </p:style>
+        <p:txBody>
+          <a:bodyPr rtlCol="0" anchor="ctr"/>
+          <a:lstStyle/>
+          <a:p>
+            <a:pPr algn="ctr"/>
+            <a:endParaRPr lang="en-US"/>
+          </a:p>
+        </p:txBody>
+      </p:sp>
+      <p:pic>
+        <p:nvPicPr>
           <p:cNvPr id="5" name="Inhaltsplatzhalter 4" descr="Ein Bild, das Tisch enthält.&#10;&#10;Automatisch generierte Beschreibung">
             <a:extLst>
               <a:ext uri="{FF2B5EF4-FFF2-40B4-BE49-F238E27FC236}">
@@ -4082,7 +4335,7 @@
 </p:sld>
 </file>
 
-<file path=ppt/slides/slide5.xml><?xml version="1.0" encoding="utf-8"?>
+<file path=ppt/slides/slide6.xml><?xml version="1.0" encoding="utf-8"?>
 <p:sld xmlns:a="http://schemas.openxmlformats.org/drawingml/2006/main" xmlns:r="http://schemas.openxmlformats.org/officeDocument/2006/relationships" xmlns:p="http://schemas.openxmlformats.org/presentationml/2006/main">
   <p:cSld>
     <p:bg>

--- a/Project_Week_7/Precise Analysis.pptx
+++ b/Project_Week_7/Precise Analysis.pptx
@@ -8,9 +8,7 @@
     <p:sldId id="256" r:id="rId2"/>
     <p:sldId id="257" r:id="rId3"/>
     <p:sldId id="261" r:id="rId4"/>
-    <p:sldId id="258" r:id="rId5"/>
-    <p:sldId id="259" r:id="rId6"/>
-    <p:sldId id="260" r:id="rId7"/>
+    <p:sldId id="259" r:id="rId5"/>
   </p:sldIdLst>
   <p:sldSz cx="12192000" cy="6858000"/>
   <p:notesSz cx="6858000" cy="9144000"/>
@@ -264,7 +262,7 @@
           <a:p>
             <a:fld id="{23549F34-81B6-4052-990C-DAB85C5B3430}" type="datetimeFigureOut">
               <a:rPr lang="de-DE" smtClean="0"/>
-              <a:t>29.11.2020</a:t>
+              <a:t>30.11.2020</a:t>
             </a:fld>
             <a:endParaRPr lang="de-DE"/>
           </a:p>
@@ -462,7 +460,7 @@
           <a:p>
             <a:fld id="{23549F34-81B6-4052-990C-DAB85C5B3430}" type="datetimeFigureOut">
               <a:rPr lang="de-DE" smtClean="0"/>
-              <a:t>29.11.2020</a:t>
+              <a:t>30.11.2020</a:t>
             </a:fld>
             <a:endParaRPr lang="de-DE"/>
           </a:p>
@@ -670,7 +668,7 @@
           <a:p>
             <a:fld id="{23549F34-81B6-4052-990C-DAB85C5B3430}" type="datetimeFigureOut">
               <a:rPr lang="de-DE" smtClean="0"/>
-              <a:t>29.11.2020</a:t>
+              <a:t>30.11.2020</a:t>
             </a:fld>
             <a:endParaRPr lang="de-DE"/>
           </a:p>
@@ -868,7 +866,7 @@
           <a:p>
             <a:fld id="{23549F34-81B6-4052-990C-DAB85C5B3430}" type="datetimeFigureOut">
               <a:rPr lang="de-DE" smtClean="0"/>
-              <a:t>29.11.2020</a:t>
+              <a:t>30.11.2020</a:t>
             </a:fld>
             <a:endParaRPr lang="de-DE"/>
           </a:p>
@@ -1143,7 +1141,7 @@
           <a:p>
             <a:fld id="{23549F34-81B6-4052-990C-DAB85C5B3430}" type="datetimeFigureOut">
               <a:rPr lang="de-DE" smtClean="0"/>
-              <a:t>29.11.2020</a:t>
+              <a:t>30.11.2020</a:t>
             </a:fld>
             <a:endParaRPr lang="de-DE"/>
           </a:p>
@@ -1408,7 +1406,7 @@
           <a:p>
             <a:fld id="{23549F34-81B6-4052-990C-DAB85C5B3430}" type="datetimeFigureOut">
               <a:rPr lang="de-DE" smtClean="0"/>
-              <a:t>29.11.2020</a:t>
+              <a:t>30.11.2020</a:t>
             </a:fld>
             <a:endParaRPr lang="de-DE"/>
           </a:p>
@@ -1820,7 +1818,7 @@
           <a:p>
             <a:fld id="{23549F34-81B6-4052-990C-DAB85C5B3430}" type="datetimeFigureOut">
               <a:rPr lang="de-DE" smtClean="0"/>
-              <a:t>29.11.2020</a:t>
+              <a:t>30.11.2020</a:t>
             </a:fld>
             <a:endParaRPr lang="de-DE"/>
           </a:p>
@@ -1961,7 +1959,7 @@
           <a:p>
             <a:fld id="{23549F34-81B6-4052-990C-DAB85C5B3430}" type="datetimeFigureOut">
               <a:rPr lang="de-DE" smtClean="0"/>
-              <a:t>29.11.2020</a:t>
+              <a:t>30.11.2020</a:t>
             </a:fld>
             <a:endParaRPr lang="de-DE"/>
           </a:p>
@@ -2074,7 +2072,7 @@
           <a:p>
             <a:fld id="{23549F34-81B6-4052-990C-DAB85C5B3430}" type="datetimeFigureOut">
               <a:rPr lang="de-DE" smtClean="0"/>
-              <a:t>29.11.2020</a:t>
+              <a:t>30.11.2020</a:t>
             </a:fld>
             <a:endParaRPr lang="de-DE"/>
           </a:p>
@@ -2385,7 +2383,7 @@
           <a:p>
             <a:fld id="{23549F34-81B6-4052-990C-DAB85C5B3430}" type="datetimeFigureOut">
               <a:rPr lang="de-DE" smtClean="0"/>
-              <a:t>29.11.2020</a:t>
+              <a:t>30.11.2020</a:t>
             </a:fld>
             <a:endParaRPr lang="de-DE"/>
           </a:p>
@@ -2673,7 +2671,7 @@
           <a:p>
             <a:fld id="{23549F34-81B6-4052-990C-DAB85C5B3430}" type="datetimeFigureOut">
               <a:rPr lang="de-DE" smtClean="0"/>
-              <a:t>29.11.2020</a:t>
+              <a:t>30.11.2020</a:t>
             </a:fld>
             <a:endParaRPr lang="de-DE"/>
           </a:p>
@@ -2914,7 +2912,7 @@
           <a:p>
             <a:fld id="{23549F34-81B6-4052-990C-DAB85C5B3430}" type="datetimeFigureOut">
               <a:rPr lang="de-DE" smtClean="0"/>
-              <a:t>29.11.2020</a:t>
+              <a:t>30.11.2020</a:t>
             </a:fld>
             <a:endParaRPr lang="de-DE"/>
           </a:p>
@@ -3858,7 +3856,7 @@
       </p:grpSpPr>
       <p:sp>
         <p:nvSpPr>
-          <p:cNvPr id="13" name="Rectangle 9">
+          <p:cNvPr id="10" name="Rectangle 9">
             <a:extLst>
               <a:ext uri="{FF2B5EF4-FFF2-40B4-BE49-F238E27FC236}">
                 <a16:creationId xmlns:a16="http://schemas.microsoft.com/office/drawing/2014/main" id="{16C5FA50-8D52-4617-AF91-5C7B1C8352F1}"/>
@@ -3888,7 +3886,7 @@
             <a:avLst/>
           </a:prstGeom>
           <a:solidFill>
-            <a:srgbClr val="655057"/>
+            <a:srgbClr val="919169"/>
           </a:solidFill>
           <a:ln>
             <a:noFill/>
@@ -3924,7 +3922,7 @@
           <p:cNvPr id="2" name="Titel 1">
             <a:extLst>
               <a:ext uri="{FF2B5EF4-FFF2-40B4-BE49-F238E27FC236}">
-                <a16:creationId xmlns:a16="http://schemas.microsoft.com/office/drawing/2014/main" id="{686BFF39-806B-4BB8-BF1D-B4723F11FD85}"/>
+                <a16:creationId xmlns:a16="http://schemas.microsoft.com/office/drawing/2014/main" id="{D6603AF2-DDFE-4DF4-A2BF-A9659BD652CF}"/>
               </a:ext>
             </a:extLst>
           </p:cNvPr>
@@ -3953,7 +3951,7 @@
                   <a:srgbClr val="FFFFFF"/>
                 </a:solidFill>
               </a:rPr>
-              <a:t>SEQEUNCE DIAGRAM FOR LOGIN</a:t>
+              <a:t>SEQEUNCE DIAGRAM FOR HOME APPLIANCES</a:t>
             </a:r>
           </a:p>
         </p:txBody>
@@ -4034,10 +4032,10 @@
       </p:sp>
       <p:pic>
         <p:nvPicPr>
-          <p:cNvPr id="5" name="Inhaltsplatzhalter 4">
-            <a:extLst>
-              <a:ext uri="{FF2B5EF4-FFF2-40B4-BE49-F238E27FC236}">
-                <a16:creationId xmlns:a16="http://schemas.microsoft.com/office/drawing/2014/main" id="{621E4AA9-ECC6-421F-B3C5-117B91059083}"/>
+          <p:cNvPr id="7" name="Content Placeholder 6">
+            <a:extLst>
+              <a:ext uri="{FF2B5EF4-FFF2-40B4-BE49-F238E27FC236}">
+                <a16:creationId xmlns:a16="http://schemas.microsoft.com/office/drawing/2014/main" id="{BAA536C3-90EA-43F8-978E-ACFACF7BD376}"/>
               </a:ext>
             </a:extLst>
           </p:cNvPr>
@@ -4048,7 +4046,7 @@
             <p:ph idx="1"/>
           </p:nvPr>
         </p:nvPicPr>
-        <p:blipFill rotWithShape="1">
+        <p:blipFill>
           <a:blip r:embed="rId2">
             <a:extLst>
               <a:ext uri="{28A0092B-C50C-407E-A947-70E740481C1C}">
@@ -4056,540 +4054,21 @@
               </a:ext>
             </a:extLst>
           </a:blip>
-          <a:srcRect l="4763" r="8085" b="-2"/>
-          <a:stretch/>
+          <a:stretch>
+            <a:fillRect/>
+          </a:stretch>
         </p:blipFill>
         <p:spPr>
           <a:xfrm>
-            <a:off x="976251" y="942538"/>
-            <a:ext cx="7163222" cy="4808332"/>
+            <a:off x="0" y="0"/>
+            <a:ext cx="8622369" cy="6858000"/>
           </a:xfrm>
-          <a:prstGeom prst="rect">
-            <a:avLst/>
-          </a:prstGeom>
-          <a:effectLst/>
-        </p:spPr>
-      </p:pic>
-    </p:spTree>
-    <p:extLst>
-      <p:ext uri="{BB962C8B-B14F-4D97-AF65-F5344CB8AC3E}">
-        <p14:creationId xmlns:p14="http://schemas.microsoft.com/office/powerpoint/2010/main" val="770389619"/>
-      </p:ext>
-    </p:extLst>
-  </p:cSld>
-  <p:clrMapOvr>
-    <a:masterClrMapping/>
-  </p:clrMapOvr>
-</p:sld>
-</file>
-
-<file path=ppt/slides/slide5.xml><?xml version="1.0" encoding="utf-8"?>
-<p:sld xmlns:a="http://schemas.openxmlformats.org/drawingml/2006/main" xmlns:r="http://schemas.openxmlformats.org/officeDocument/2006/relationships" xmlns:p="http://schemas.openxmlformats.org/presentationml/2006/main">
-  <p:cSld>
-    <p:bg>
-      <p:bgPr>
-        <a:solidFill>
-          <a:schemeClr val="bg2"/>
-        </a:solidFill>
-        <a:effectLst/>
-      </p:bgPr>
-    </p:bg>
-    <p:spTree>
-      <p:nvGrpSpPr>
-        <p:cNvPr id="1" name=""/>
-        <p:cNvGrpSpPr/>
-        <p:nvPr/>
-      </p:nvGrpSpPr>
-      <p:grpSpPr>
-        <a:xfrm>
-          <a:off x="0" y="0"/>
-          <a:ext cx="0" cy="0"/>
-          <a:chOff x="0" y="0"/>
-          <a:chExt cx="0" cy="0"/>
-        </a:xfrm>
-      </p:grpSpPr>
-      <p:sp>
-        <p:nvSpPr>
-          <p:cNvPr id="10" name="Rectangle 9">
-            <a:extLst>
-              <a:ext uri="{FF2B5EF4-FFF2-40B4-BE49-F238E27FC236}">
-                <a16:creationId xmlns:a16="http://schemas.microsoft.com/office/drawing/2014/main" id="{16C5FA50-8D52-4617-AF91-5C7B1C8352F1}"/>
-              </a:ext>
-              <a:ext uri="{C183D7F6-B498-43B3-948B-1728B52AA6E4}">
-                <adec:decorative xmlns:adec="http://schemas.microsoft.com/office/drawing/2017/decorative" val="1"/>
-              </a:ext>
-            </a:extLst>
-          </p:cNvPr>
-          <p:cNvSpPr>
-            <a:spLocks noGrp="1" noRot="1" noChangeAspect="1" noMove="1" noResize="1" noEditPoints="1" noAdjustHandles="1" noChangeArrowheads="1" noChangeShapeType="1" noTextEdit="1"/>
-          </p:cNvSpPr>
-          <p:nvPr>
-            <p:extLst>
-              <p:ext uri="{386F3935-93C4-4BCD-93E2-E3B085C9AB24}">
-                <p16:designElem xmlns:p16="http://schemas.microsoft.com/office/powerpoint/2015/main" val="1"/>
-              </p:ext>
-            </p:extLst>
-          </p:nvPr>
-        </p:nvSpPr>
-        <p:spPr>
-          <a:xfrm>
-            <a:off x="0" y="0"/>
-            <a:ext cx="12192000" cy="6858000"/>
-          </a:xfrm>
-          <a:prstGeom prst="rect">
-            <a:avLst/>
-          </a:prstGeom>
-          <a:solidFill>
-            <a:srgbClr val="919169"/>
-          </a:solidFill>
-          <a:ln>
-            <a:noFill/>
-          </a:ln>
-        </p:spPr>
-        <p:style>
-          <a:lnRef idx="2">
-            <a:schemeClr val="accent1">
-              <a:shade val="50000"/>
-            </a:schemeClr>
-          </a:lnRef>
-          <a:fillRef idx="1">
-            <a:schemeClr val="accent1"/>
-          </a:fillRef>
-          <a:effectRef idx="0">
-            <a:schemeClr val="accent1"/>
-          </a:effectRef>
-          <a:fontRef idx="minor">
-            <a:schemeClr val="lt1"/>
-          </a:fontRef>
-        </p:style>
-        <p:txBody>
-          <a:bodyPr rtlCol="0" anchor="ctr"/>
-          <a:lstStyle/>
-          <a:p>
-            <a:pPr algn="ctr"/>
-            <a:endParaRPr lang="en-US"/>
-          </a:p>
-        </p:txBody>
-      </p:sp>
-      <p:sp>
-        <p:nvSpPr>
-          <p:cNvPr id="2" name="Titel 1">
-            <a:extLst>
-              <a:ext uri="{FF2B5EF4-FFF2-40B4-BE49-F238E27FC236}">
-                <a16:creationId xmlns:a16="http://schemas.microsoft.com/office/drawing/2014/main" id="{D6603AF2-DDFE-4DF4-A2BF-A9659BD652CF}"/>
-              </a:ext>
-            </a:extLst>
-          </p:cNvPr>
-          <p:cNvSpPr>
-            <a:spLocks noGrp="1"/>
-          </p:cNvSpPr>
-          <p:nvPr>
-            <p:ph type="title"/>
-          </p:nvPr>
-        </p:nvSpPr>
-        <p:spPr>
-          <a:xfrm>
-            <a:off x="9093496" y="618681"/>
-            <a:ext cx="2613872" cy="4794567"/>
-          </a:xfrm>
-        </p:spPr>
-        <p:txBody>
-          <a:bodyPr vert="horz" lIns="91440" tIns="45720" rIns="91440" bIns="45720" rtlCol="0" anchor="ctr">
-            <a:normAutofit/>
-          </a:bodyPr>
-          <a:lstStyle/>
-          <a:p>
-            <a:r>
-              <a:rPr lang="en-US" sz="3600">
-                <a:solidFill>
-                  <a:srgbClr val="FFFFFF"/>
-                </a:solidFill>
-              </a:rPr>
-              <a:t>SEQEUNCE DIAGRAM FOR HOME APPLIANCES</a:t>
-            </a:r>
-          </a:p>
-        </p:txBody>
-      </p:sp>
-      <p:sp>
-        <p:nvSpPr>
-          <p:cNvPr id="12" name="Rounded Rectangle 9">
-            <a:extLst>
-              <a:ext uri="{FF2B5EF4-FFF2-40B4-BE49-F238E27FC236}">
-                <a16:creationId xmlns:a16="http://schemas.microsoft.com/office/drawing/2014/main" id="{E223798C-12AD-4B0C-A50C-D676347D67CF}"/>
-              </a:ext>
-              <a:ext uri="{C183D7F6-B498-43B3-948B-1728B52AA6E4}">
-                <adec:decorative xmlns:adec="http://schemas.microsoft.com/office/drawing/2017/decorative" val="1"/>
-              </a:ext>
-            </a:extLst>
-          </p:cNvPr>
-          <p:cNvSpPr>
-            <a:spLocks noGrp="1" noRot="1" noChangeAspect="1" noMove="1" noResize="1" noEditPoints="1" noAdjustHandles="1" noChangeArrowheads="1" noChangeShapeType="1" noTextEdit="1"/>
-          </p:cNvSpPr>
-          <p:nvPr>
-            <p:extLst>
-              <p:ext uri="{386F3935-93C4-4BCD-93E2-E3B085C9AB24}">
-                <p16:designElem xmlns:p16="http://schemas.microsoft.com/office/powerpoint/2015/main" val="1"/>
-              </p:ext>
-            </p:extLst>
-          </p:nvPr>
-        </p:nvSpPr>
-        <p:spPr>
-          <a:xfrm>
-            <a:off x="493354" y="484632"/>
-            <a:ext cx="8129016" cy="5724144"/>
-          </a:xfrm>
-          <a:prstGeom prst="roundRect">
-            <a:avLst>
-              <a:gd name="adj" fmla="val 0"/>
-            </a:avLst>
-          </a:prstGeom>
-          <a:solidFill>
-            <a:srgbClr val="FFFFFF"/>
-          </a:solidFill>
-          <a:ln w="9525">
-            <a:solidFill>
-              <a:srgbClr val="C8CACA"/>
-            </a:solidFill>
-          </a:ln>
-          <a:effectLst>
-            <a:outerShdw blurRad="57150" dist="19050" dir="5400000" algn="t" rotWithShape="0">
-              <a:prstClr val="black">
-                <a:alpha val="63000"/>
-              </a:prstClr>
-            </a:outerShdw>
-          </a:effectLst>
-        </p:spPr>
-        <p:style>
-          <a:lnRef idx="2">
-            <a:schemeClr val="accent1">
-              <a:shade val="50000"/>
-            </a:schemeClr>
-          </a:lnRef>
-          <a:fillRef idx="1">
-            <a:schemeClr val="accent1"/>
-          </a:fillRef>
-          <a:effectRef idx="0">
-            <a:schemeClr val="accent1"/>
-          </a:effectRef>
-          <a:fontRef idx="minor">
-            <a:schemeClr val="lt1"/>
-          </a:fontRef>
-        </p:style>
-        <p:txBody>
-          <a:bodyPr rtlCol="0" anchor="ctr"/>
-          <a:lstStyle/>
-          <a:p>
-            <a:pPr algn="ctr"/>
-            <a:endParaRPr lang="en-US"/>
-          </a:p>
-        </p:txBody>
-      </p:sp>
-      <p:pic>
-        <p:nvPicPr>
-          <p:cNvPr id="5" name="Inhaltsplatzhalter 4" descr="Ein Bild, das Tisch enthält.&#10;&#10;Automatisch generierte Beschreibung">
-            <a:extLst>
-              <a:ext uri="{FF2B5EF4-FFF2-40B4-BE49-F238E27FC236}">
-                <a16:creationId xmlns:a16="http://schemas.microsoft.com/office/drawing/2014/main" id="{DFD5A41E-7CB3-4DE5-8FE8-B588B3042FF1}"/>
-              </a:ext>
-            </a:extLst>
-          </p:cNvPr>
-          <p:cNvPicPr>
-            <a:picLocks noGrp="1" noChangeAspect="1"/>
-          </p:cNvPicPr>
-          <p:nvPr>
-            <p:ph idx="1"/>
-          </p:nvPr>
-        </p:nvPicPr>
-        <p:blipFill rotWithShape="1">
-          <a:blip r:embed="rId2">
-            <a:extLst>
-              <a:ext uri="{28A0092B-C50C-407E-A947-70E740481C1C}">
-                <a14:useLocalDpi xmlns:a14="http://schemas.microsoft.com/office/drawing/2010/main" val="0"/>
-              </a:ext>
-            </a:extLst>
-          </a:blip>
-          <a:srcRect r="561" b="1"/>
-          <a:stretch/>
-        </p:blipFill>
-        <p:spPr>
-          <a:xfrm>
-            <a:off x="976251" y="942538"/>
-            <a:ext cx="7163222" cy="4808332"/>
-          </a:xfrm>
-          <a:prstGeom prst="rect">
-            <a:avLst/>
-          </a:prstGeom>
-          <a:effectLst/>
         </p:spPr>
       </p:pic>
     </p:spTree>
     <p:extLst>
       <p:ext uri="{BB962C8B-B14F-4D97-AF65-F5344CB8AC3E}">
         <p14:creationId xmlns:p14="http://schemas.microsoft.com/office/powerpoint/2010/main" val="1635133515"/>
-      </p:ext>
-    </p:extLst>
-  </p:cSld>
-  <p:clrMapOvr>
-    <a:masterClrMapping/>
-  </p:clrMapOvr>
-</p:sld>
-</file>
-
-<file path=ppt/slides/slide6.xml><?xml version="1.0" encoding="utf-8"?>
-<p:sld xmlns:a="http://schemas.openxmlformats.org/drawingml/2006/main" xmlns:r="http://schemas.openxmlformats.org/officeDocument/2006/relationships" xmlns:p="http://schemas.openxmlformats.org/presentationml/2006/main">
-  <p:cSld>
-    <p:bg>
-      <p:bgPr>
-        <a:solidFill>
-          <a:schemeClr val="bg2"/>
-        </a:solidFill>
-        <a:effectLst/>
-      </p:bgPr>
-    </p:bg>
-    <p:spTree>
-      <p:nvGrpSpPr>
-        <p:cNvPr id="1" name=""/>
-        <p:cNvGrpSpPr/>
-        <p:nvPr/>
-      </p:nvGrpSpPr>
-      <p:grpSpPr>
-        <a:xfrm>
-          <a:off x="0" y="0"/>
-          <a:ext cx="0" cy="0"/>
-          <a:chOff x="0" y="0"/>
-          <a:chExt cx="0" cy="0"/>
-        </a:xfrm>
-      </p:grpSpPr>
-      <p:sp>
-        <p:nvSpPr>
-          <p:cNvPr id="14" name="Rectangle 9">
-            <a:extLst>
-              <a:ext uri="{FF2B5EF4-FFF2-40B4-BE49-F238E27FC236}">
-                <a16:creationId xmlns:a16="http://schemas.microsoft.com/office/drawing/2014/main" id="{BEE73255-8084-4DF9-BB0B-15EAC92E2CB9}"/>
-              </a:ext>
-              <a:ext uri="{C183D7F6-B498-43B3-948B-1728B52AA6E4}">
-                <adec:decorative xmlns:adec="http://schemas.microsoft.com/office/drawing/2017/decorative" val="1"/>
-              </a:ext>
-            </a:extLst>
-          </p:cNvPr>
-          <p:cNvSpPr>
-            <a:spLocks noGrp="1" noRot="1" noChangeAspect="1" noMove="1" noResize="1" noEditPoints="1" noAdjustHandles="1" noChangeArrowheads="1" noChangeShapeType="1" noTextEdit="1"/>
-          </p:cNvSpPr>
-          <p:nvPr>
-            <p:extLst>
-              <p:ext uri="{386F3935-93C4-4BCD-93E2-E3B085C9AB24}">
-                <p16:designElem xmlns:p16="http://schemas.microsoft.com/office/powerpoint/2015/main" val="1"/>
-              </p:ext>
-            </p:extLst>
-          </p:nvPr>
-        </p:nvSpPr>
-        <p:spPr>
-          <a:xfrm>
-            <a:off x="0" y="0"/>
-            <a:ext cx="12192000" cy="6858000"/>
-          </a:xfrm>
-          <a:prstGeom prst="rect">
-            <a:avLst/>
-          </a:prstGeom>
-          <a:solidFill>
-            <a:srgbClr val="C8CACA"/>
-          </a:solidFill>
-          <a:ln>
-            <a:noFill/>
-          </a:ln>
-        </p:spPr>
-        <p:style>
-          <a:lnRef idx="2">
-            <a:schemeClr val="accent1">
-              <a:shade val="50000"/>
-            </a:schemeClr>
-          </a:lnRef>
-          <a:fillRef idx="1">
-            <a:schemeClr val="accent1"/>
-          </a:fillRef>
-          <a:effectRef idx="0">
-            <a:schemeClr val="accent1"/>
-          </a:effectRef>
-          <a:fontRef idx="minor">
-            <a:schemeClr val="lt1"/>
-          </a:fontRef>
-        </p:style>
-        <p:txBody>
-          <a:bodyPr rtlCol="0" anchor="ctr"/>
-          <a:lstStyle/>
-          <a:p>
-            <a:pPr algn="ctr"/>
-            <a:endParaRPr lang="en-US"/>
-          </a:p>
-        </p:txBody>
-      </p:sp>
-      <p:sp>
-        <p:nvSpPr>
-          <p:cNvPr id="2" name="Titel 1">
-            <a:extLst>
-              <a:ext uri="{FF2B5EF4-FFF2-40B4-BE49-F238E27FC236}">
-                <a16:creationId xmlns:a16="http://schemas.microsoft.com/office/drawing/2014/main" id="{2912A8B7-AEC0-426C-8AC1-DD5355FC207E}"/>
-              </a:ext>
-            </a:extLst>
-          </p:cNvPr>
-          <p:cNvSpPr>
-            <a:spLocks noGrp="1"/>
-          </p:cNvSpPr>
-          <p:nvPr>
-            <p:ph type="title"/>
-          </p:nvPr>
-        </p:nvSpPr>
-        <p:spPr>
-          <a:xfrm>
-            <a:off x="603938" y="640081"/>
-            <a:ext cx="2608655" cy="5257799"/>
-          </a:xfrm>
-        </p:spPr>
-        <p:txBody>
-          <a:bodyPr vert="horz" lIns="91440" tIns="45720" rIns="91440" bIns="45720" rtlCol="0" anchor="ctr">
-            <a:normAutofit/>
-          </a:bodyPr>
-          <a:lstStyle/>
-          <a:p>
-            <a:r>
-              <a:rPr lang="en-US" sz="3600">
-                <a:solidFill>
-                  <a:srgbClr val="2C2C2C"/>
-                </a:solidFill>
-              </a:rPr>
-              <a:t>SEQUENCE DIAGRAM FOR FIRE ALARM</a:t>
-            </a:r>
-            <a:br>
-              <a:rPr lang="en-US" sz="3600">
-                <a:solidFill>
-                  <a:srgbClr val="2C2C2C"/>
-                </a:solidFill>
-              </a:rPr>
-            </a:br>
-            <a:endParaRPr lang="en-US" sz="3600">
-              <a:solidFill>
-                <a:srgbClr val="2C2C2C"/>
-              </a:solidFill>
-            </a:endParaRPr>
-          </a:p>
-        </p:txBody>
-      </p:sp>
-      <p:sp>
-        <p:nvSpPr>
-          <p:cNvPr id="15" name="Rounded Rectangle 9">
-            <a:extLst>
-              <a:ext uri="{FF2B5EF4-FFF2-40B4-BE49-F238E27FC236}">
-                <a16:creationId xmlns:a16="http://schemas.microsoft.com/office/drawing/2014/main" id="{67048353-8981-459A-9BC6-9711CE462E06}"/>
-              </a:ext>
-              <a:ext uri="{C183D7F6-B498-43B3-948B-1728B52AA6E4}">
-                <adec:decorative xmlns:adec="http://schemas.microsoft.com/office/drawing/2017/decorative" val="1"/>
-              </a:ext>
-            </a:extLst>
-          </p:cNvPr>
-          <p:cNvSpPr>
-            <a:spLocks noGrp="1" noRot="1" noChangeAspect="1" noMove="1" noResize="1" noEditPoints="1" noAdjustHandles="1" noChangeArrowheads="1" noChangeShapeType="1" noTextEdit="1"/>
-          </p:cNvSpPr>
-          <p:nvPr>
-            <p:extLst>
-              <p:ext uri="{386F3935-93C4-4BCD-93E2-E3B085C9AB24}">
-                <p16:designElem xmlns:p16="http://schemas.microsoft.com/office/powerpoint/2015/main" val="1"/>
-              </p:ext>
-            </p:extLst>
-          </p:nvPr>
-        </p:nvSpPr>
-        <p:spPr>
-          <a:xfrm>
-            <a:off x="3580067" y="484632"/>
-            <a:ext cx="8129016" cy="5724144"/>
-          </a:xfrm>
-          <a:prstGeom prst="roundRect">
-            <a:avLst>
-              <a:gd name="adj" fmla="val 0"/>
-            </a:avLst>
-          </a:prstGeom>
-          <a:solidFill>
-            <a:srgbClr val="FFFFFF"/>
-          </a:solidFill>
-          <a:ln w="9525">
-            <a:solidFill>
-              <a:srgbClr val="C8CACA"/>
-            </a:solidFill>
-          </a:ln>
-          <a:effectLst>
-            <a:outerShdw blurRad="57150" dist="19050" dir="5400000" algn="t" rotWithShape="0">
-              <a:prstClr val="black">
-                <a:alpha val="63000"/>
-              </a:prstClr>
-            </a:outerShdw>
-          </a:effectLst>
-        </p:spPr>
-        <p:style>
-          <a:lnRef idx="2">
-            <a:schemeClr val="accent1">
-              <a:shade val="50000"/>
-            </a:schemeClr>
-          </a:lnRef>
-          <a:fillRef idx="1">
-            <a:schemeClr val="accent1"/>
-          </a:fillRef>
-          <a:effectRef idx="0">
-            <a:schemeClr val="accent1"/>
-          </a:effectRef>
-          <a:fontRef idx="minor">
-            <a:schemeClr val="lt1"/>
-          </a:fontRef>
-        </p:style>
-        <p:txBody>
-          <a:bodyPr rtlCol="0" anchor="ctr"/>
-          <a:lstStyle/>
-          <a:p>
-            <a:pPr algn="ctr"/>
-            <a:endParaRPr lang="en-US"/>
-          </a:p>
-        </p:txBody>
-      </p:sp>
-      <p:pic>
-        <p:nvPicPr>
-          <p:cNvPr id="5" name="Inhaltsplatzhalter 4">
-            <a:extLst>
-              <a:ext uri="{FF2B5EF4-FFF2-40B4-BE49-F238E27FC236}">
-                <a16:creationId xmlns:a16="http://schemas.microsoft.com/office/drawing/2014/main" id="{DCCA7A43-04A9-4F8D-82E0-F5523EBFB6A0}"/>
-              </a:ext>
-            </a:extLst>
-          </p:cNvPr>
-          <p:cNvPicPr>
-            <a:picLocks noGrp="1" noChangeAspect="1"/>
-          </p:cNvPicPr>
-          <p:nvPr>
-            <p:ph idx="1"/>
-          </p:nvPr>
-        </p:nvPicPr>
-        <p:blipFill rotWithShape="1">
-          <a:blip r:embed="rId2">
-            <a:extLst>
-              <a:ext uri="{28A0092B-C50C-407E-A947-70E740481C1C}">
-                <a14:useLocalDpi xmlns:a14="http://schemas.microsoft.com/office/drawing/2010/main" val="0"/>
-              </a:ext>
-            </a:extLst>
-          </a:blip>
-          <a:srcRect b="2007"/>
-          <a:stretch/>
-        </p:blipFill>
-        <p:spPr>
-          <a:xfrm>
-            <a:off x="4062964" y="942538"/>
-            <a:ext cx="7163222" cy="4808332"/>
-          </a:xfrm>
-          <a:prstGeom prst="rect">
-            <a:avLst/>
-          </a:prstGeom>
-          <a:effectLst/>
-        </p:spPr>
-      </p:pic>
-    </p:spTree>
-    <p:extLst>
-      <p:ext uri="{BB962C8B-B14F-4D97-AF65-F5344CB8AC3E}">
-        <p14:creationId xmlns:p14="http://schemas.microsoft.com/office/powerpoint/2010/main" val="2303560594"/>
       </p:ext>
     </p:extLst>
   </p:cSld>

--- a/Project_Week_7/Precise Analysis.pptx
+++ b/Project_Week_7/Precise Analysis.pptx
@@ -9,6 +9,7 @@
     <p:sldId id="257" r:id="rId3"/>
     <p:sldId id="261" r:id="rId4"/>
     <p:sldId id="259" r:id="rId5"/>
+    <p:sldId id="262" r:id="rId6"/>
   </p:sldIdLst>
   <p:sldSz cx="12192000" cy="6858000"/>
   <p:notesSz cx="6858000" cy="9144000"/>
@@ -3315,6 +3316,14 @@
 <file path=ppt/slides/slide1.xml><?xml version="1.0" encoding="utf-8"?>
 <p:sld xmlns:a="http://schemas.openxmlformats.org/drawingml/2006/main" xmlns:r="http://schemas.openxmlformats.org/officeDocument/2006/relationships" xmlns:p="http://schemas.openxmlformats.org/presentationml/2006/main">
   <p:cSld>
+    <p:bg>
+      <p:bgPr>
+        <a:solidFill>
+          <a:schemeClr val="bg1"/>
+        </a:solidFill>
+        <a:effectLst/>
+      </p:bgPr>
+    </p:bg>
     <p:spTree>
       <p:nvGrpSpPr>
         <p:cNvPr id="1" name=""/>
@@ -3345,18 +3354,22 @@
             <p:ph type="ctrTitle"/>
           </p:nvPr>
         </p:nvSpPr>
-        <p:spPr/>
-        <p:txBody>
-          <a:bodyPr/>
-          <a:lstStyle/>
-          <a:p>
-            <a:r>
-              <a:rPr lang="de-DE" dirty="0" err="1"/>
-              <a:t>Precise</a:t>
-            </a:r>
-            <a:r>
-              <a:rPr lang="de-DE" dirty="0"/>
-              <a:t> Analysis</a:t>
+        <p:spPr>
+          <a:xfrm>
+            <a:off x="1524000" y="2245809"/>
+            <a:ext cx="9144000" cy="1564716"/>
+          </a:xfrm>
+        </p:spPr>
+        <p:txBody>
+          <a:bodyPr>
+            <a:normAutofit/>
+          </a:bodyPr>
+          <a:lstStyle/>
+          <a:p>
+            <a:pPr algn="l"/>
+            <a:r>
+              <a:rPr lang="de-DE" sz="4800"/>
+              <a:t>Precise Analysis</a:t>
             </a:r>
           </a:p>
         </p:txBody>
@@ -3377,12 +3390,640 @@
             <p:ph type="subTitle" idx="1"/>
           </p:nvPr>
         </p:nvSpPr>
-        <p:spPr/>
-        <p:txBody>
-          <a:bodyPr/>
-          <a:lstStyle/>
-          <a:p>
-            <a:endParaRPr lang="de-DE"/>
+        <p:spPr>
+          <a:xfrm>
+            <a:off x="1524000" y="3947050"/>
+            <a:ext cx="9144000" cy="572583"/>
+          </a:xfrm>
+        </p:spPr>
+        <p:txBody>
+          <a:bodyPr>
+            <a:normAutofit/>
+          </a:bodyPr>
+          <a:lstStyle/>
+          <a:p>
+            <a:pPr algn="l"/>
+            <a:r>
+              <a:rPr lang="de-DE" sz="2000"/>
+              <a:t>BY: TEAM NOOBCODER</a:t>
+            </a:r>
+          </a:p>
+        </p:txBody>
+      </p:sp>
+      <p:sp>
+        <p:nvSpPr>
+          <p:cNvPr id="8" name="Freeform 14">
+            <a:extLst>
+              <a:ext uri="{FF2B5EF4-FFF2-40B4-BE49-F238E27FC236}">
+                <a16:creationId xmlns:a16="http://schemas.microsoft.com/office/drawing/2014/main" id="{C66F2F30-5DC0-44A0-BFA6-E12F46ED16DA}"/>
+              </a:ext>
+              <a:ext uri="{C183D7F6-B498-43B3-948B-1728B52AA6E4}">
+                <adec:decorative xmlns:adec="http://schemas.microsoft.com/office/drawing/2017/decorative" val="1"/>
+              </a:ext>
+            </a:extLst>
+          </p:cNvPr>
+          <p:cNvSpPr>
+            <a:spLocks noGrp="1" noRot="1" noChangeAspect="1" noMove="1" noResize="1" noEditPoints="1" noAdjustHandles="1" noChangeArrowheads="1" noChangeShapeType="1" noTextEdit="1"/>
+          </p:cNvSpPr>
+          <p:nvPr>
+            <p:extLst>
+              <p:ext uri="{386F3935-93C4-4BCD-93E2-E3B085C9AB24}">
+                <p16:designElem xmlns:p16="http://schemas.microsoft.com/office/powerpoint/2015/main" val="1"/>
+              </p:ext>
+            </p:extLst>
+          </p:nvPr>
+        </p:nvSpPr>
+        <p:spPr>
+          <a:xfrm>
+            <a:off x="0" y="1"/>
+            <a:ext cx="5920619" cy="2130951"/>
+          </a:xfrm>
+          <a:custGeom>
+            <a:avLst/>
+            <a:gdLst>
+              <a:gd name="connsiteX0" fmla="*/ 0 w 5920619"/>
+              <a:gd name="connsiteY0" fmla="*/ 0 h 2130951"/>
+              <a:gd name="connsiteX1" fmla="*/ 3191370 w 5920619"/>
+              <a:gd name="connsiteY1" fmla="*/ 0 h 2130951"/>
+              <a:gd name="connsiteX2" fmla="*/ 3346315 w 5920619"/>
+              <a:gd name="connsiteY2" fmla="*/ 0 h 2130951"/>
+              <a:gd name="connsiteX3" fmla="*/ 5920619 w 5920619"/>
+              <a:gd name="connsiteY3" fmla="*/ 0 h 2130951"/>
+              <a:gd name="connsiteX4" fmla="*/ 4936971 w 5920619"/>
+              <a:gd name="connsiteY4" fmla="*/ 2130951 h 2130951"/>
+              <a:gd name="connsiteX5" fmla="*/ 0 w 5920619"/>
+              <a:gd name="connsiteY5" fmla="*/ 2130951 h 2130951"/>
+            </a:gdLst>
+            <a:ahLst/>
+            <a:cxnLst>
+              <a:cxn ang="0">
+                <a:pos x="connsiteX0" y="connsiteY0"/>
+              </a:cxn>
+              <a:cxn ang="0">
+                <a:pos x="connsiteX1" y="connsiteY1"/>
+              </a:cxn>
+              <a:cxn ang="0">
+                <a:pos x="connsiteX2" y="connsiteY2"/>
+              </a:cxn>
+              <a:cxn ang="0">
+                <a:pos x="connsiteX3" y="connsiteY3"/>
+              </a:cxn>
+              <a:cxn ang="0">
+                <a:pos x="connsiteX4" y="connsiteY4"/>
+              </a:cxn>
+              <a:cxn ang="0">
+                <a:pos x="connsiteX5" y="connsiteY5"/>
+              </a:cxn>
+            </a:cxnLst>
+            <a:rect l="l" t="t" r="r" b="b"/>
+            <a:pathLst>
+              <a:path w="5920619" h="2130951">
+                <a:moveTo>
+                  <a:pt x="0" y="0"/>
+                </a:moveTo>
+                <a:lnTo>
+                  <a:pt x="3191370" y="0"/>
+                </a:lnTo>
+                <a:lnTo>
+                  <a:pt x="3346315" y="0"/>
+                </a:lnTo>
+                <a:lnTo>
+                  <a:pt x="5920619" y="0"/>
+                </a:lnTo>
+                <a:lnTo>
+                  <a:pt x="4936971" y="2130951"/>
+                </a:lnTo>
+                <a:lnTo>
+                  <a:pt x="0" y="2130951"/>
+                </a:lnTo>
+                <a:close/>
+              </a:path>
+            </a:pathLst>
+          </a:custGeom>
+          <a:solidFill>
+            <a:srgbClr val="595959"/>
+          </a:solidFill>
+          <a:ln>
+            <a:noFill/>
+          </a:ln>
+        </p:spPr>
+        <p:style>
+          <a:lnRef idx="2">
+            <a:schemeClr val="accent1">
+              <a:shade val="50000"/>
+            </a:schemeClr>
+          </a:lnRef>
+          <a:fillRef idx="1">
+            <a:schemeClr val="accent1"/>
+          </a:fillRef>
+          <a:effectRef idx="0">
+            <a:schemeClr val="accent1"/>
+          </a:effectRef>
+          <a:fontRef idx="minor">
+            <a:schemeClr val="lt1"/>
+          </a:fontRef>
+        </p:style>
+        <p:txBody>
+          <a:bodyPr wrap="square" rtlCol="0" anchor="ctr">
+            <a:noAutofit/>
+          </a:bodyPr>
+          <a:lstStyle/>
+          <a:p>
+            <a:pPr algn="ctr"/>
+            <a:endParaRPr lang="en-US"/>
+          </a:p>
+        </p:txBody>
+      </p:sp>
+      <p:sp>
+        <p:nvSpPr>
+          <p:cNvPr id="10" name="Freeform 21">
+            <a:extLst>
+              <a:ext uri="{FF2B5EF4-FFF2-40B4-BE49-F238E27FC236}">
+                <a16:creationId xmlns:a16="http://schemas.microsoft.com/office/drawing/2014/main" id="{85872F57-7F42-4F97-8391-DDC8D0054C03}"/>
+              </a:ext>
+              <a:ext uri="{C183D7F6-B498-43B3-948B-1728B52AA6E4}">
+                <adec:decorative xmlns:adec="http://schemas.microsoft.com/office/drawing/2017/decorative" val="1"/>
+              </a:ext>
+            </a:extLst>
+          </p:cNvPr>
+          <p:cNvSpPr>
+            <a:spLocks noGrp="1" noRot="1" noChangeAspect="1" noMove="1" noResize="1" noEditPoints="1" noAdjustHandles="1" noChangeArrowheads="1" noChangeShapeType="1" noTextEdit="1"/>
+          </p:cNvSpPr>
+          <p:nvPr>
+            <p:extLst>
+              <p:ext uri="{386F3935-93C4-4BCD-93E2-E3B085C9AB24}">
+                <p16:designElem xmlns:p16="http://schemas.microsoft.com/office/powerpoint/2015/main" val="1"/>
+              </p:ext>
+            </p:extLst>
+          </p:nvPr>
+        </p:nvSpPr>
+        <p:spPr>
+          <a:xfrm>
+            <a:off x="5097839" y="0"/>
+            <a:ext cx="7094160" cy="2130952"/>
+          </a:xfrm>
+          <a:custGeom>
+            <a:avLst/>
+            <a:gdLst>
+              <a:gd name="connsiteX0" fmla="*/ 4417853 w 7094160"/>
+              <a:gd name="connsiteY0" fmla="*/ 0 h 2130952"/>
+              <a:gd name="connsiteX1" fmla="*/ 7094160 w 7094160"/>
+              <a:gd name="connsiteY1" fmla="*/ 0 h 2130952"/>
+              <a:gd name="connsiteX2" fmla="*/ 7094160 w 7094160"/>
+              <a:gd name="connsiteY2" fmla="*/ 2130552 h 2130952"/>
+              <a:gd name="connsiteX3" fmla="*/ 5920619 w 7094160"/>
+              <a:gd name="connsiteY3" fmla="*/ 2130552 h 2130952"/>
+              <a:gd name="connsiteX4" fmla="*/ 5920619 w 7094160"/>
+              <a:gd name="connsiteY4" fmla="*/ 2130952 h 2130952"/>
+              <a:gd name="connsiteX5" fmla="*/ 2729249 w 7094160"/>
+              <a:gd name="connsiteY5" fmla="*/ 2130952 h 2130952"/>
+              <a:gd name="connsiteX6" fmla="*/ 2574304 w 7094160"/>
+              <a:gd name="connsiteY6" fmla="*/ 2130952 h 2130952"/>
+              <a:gd name="connsiteX7" fmla="*/ 0 w 7094160"/>
+              <a:gd name="connsiteY7" fmla="*/ 2130952 h 2130952"/>
+              <a:gd name="connsiteX8" fmla="*/ 983648 w 7094160"/>
+              <a:gd name="connsiteY8" fmla="*/ 1 h 2130952"/>
+              <a:gd name="connsiteX9" fmla="*/ 4417853 w 7094160"/>
+              <a:gd name="connsiteY9" fmla="*/ 1 h 2130952"/>
+            </a:gdLst>
+            <a:ahLst/>
+            <a:cxnLst>
+              <a:cxn ang="0">
+                <a:pos x="connsiteX0" y="connsiteY0"/>
+              </a:cxn>
+              <a:cxn ang="0">
+                <a:pos x="connsiteX1" y="connsiteY1"/>
+              </a:cxn>
+              <a:cxn ang="0">
+                <a:pos x="connsiteX2" y="connsiteY2"/>
+              </a:cxn>
+              <a:cxn ang="0">
+                <a:pos x="connsiteX3" y="connsiteY3"/>
+              </a:cxn>
+              <a:cxn ang="0">
+                <a:pos x="connsiteX4" y="connsiteY4"/>
+              </a:cxn>
+              <a:cxn ang="0">
+                <a:pos x="connsiteX5" y="connsiteY5"/>
+              </a:cxn>
+              <a:cxn ang="0">
+                <a:pos x="connsiteX6" y="connsiteY6"/>
+              </a:cxn>
+              <a:cxn ang="0">
+                <a:pos x="connsiteX7" y="connsiteY7"/>
+              </a:cxn>
+              <a:cxn ang="0">
+                <a:pos x="connsiteX8" y="connsiteY8"/>
+              </a:cxn>
+              <a:cxn ang="0">
+                <a:pos x="connsiteX9" y="connsiteY9"/>
+              </a:cxn>
+            </a:cxnLst>
+            <a:rect l="l" t="t" r="r" b="b"/>
+            <a:pathLst>
+              <a:path w="7094160" h="2130952">
+                <a:moveTo>
+                  <a:pt x="4417853" y="0"/>
+                </a:moveTo>
+                <a:lnTo>
+                  <a:pt x="7094160" y="0"/>
+                </a:lnTo>
+                <a:lnTo>
+                  <a:pt x="7094160" y="2130552"/>
+                </a:lnTo>
+                <a:lnTo>
+                  <a:pt x="5920619" y="2130552"/>
+                </a:lnTo>
+                <a:lnTo>
+                  <a:pt x="5920619" y="2130952"/>
+                </a:lnTo>
+                <a:lnTo>
+                  <a:pt x="2729249" y="2130952"/>
+                </a:lnTo>
+                <a:lnTo>
+                  <a:pt x="2574304" y="2130952"/>
+                </a:lnTo>
+                <a:lnTo>
+                  <a:pt x="0" y="2130952"/>
+                </a:lnTo>
+                <a:lnTo>
+                  <a:pt x="983648" y="1"/>
+                </a:lnTo>
+                <a:lnTo>
+                  <a:pt x="4417853" y="1"/>
+                </a:lnTo>
+                <a:close/>
+              </a:path>
+            </a:pathLst>
+          </a:custGeom>
+          <a:solidFill>
+            <a:srgbClr val="7F7F7F">
+              <a:alpha val="40000"/>
+            </a:srgbClr>
+          </a:solidFill>
+          <a:ln>
+            <a:noFill/>
+          </a:ln>
+        </p:spPr>
+        <p:style>
+          <a:lnRef idx="2">
+            <a:schemeClr val="accent1">
+              <a:shade val="50000"/>
+            </a:schemeClr>
+          </a:lnRef>
+          <a:fillRef idx="1">
+            <a:schemeClr val="accent1"/>
+          </a:fillRef>
+          <a:effectRef idx="0">
+            <a:schemeClr val="accent1"/>
+          </a:effectRef>
+          <a:fontRef idx="minor">
+            <a:schemeClr val="lt1"/>
+          </a:fontRef>
+        </p:style>
+        <p:txBody>
+          <a:bodyPr rtlCol="0" anchor="ctr"/>
+          <a:lstStyle/>
+          <a:p>
+            <a:pPr algn="ctr"/>
+            <a:endParaRPr lang="en-US"/>
+          </a:p>
+        </p:txBody>
+      </p:sp>
+      <p:sp useBgFill="1">
+        <p:nvSpPr>
+          <p:cNvPr id="12" name="Freeform: Shape 11">
+            <a:extLst>
+              <a:ext uri="{FF2B5EF4-FFF2-40B4-BE49-F238E27FC236}">
+                <a16:creationId xmlns:a16="http://schemas.microsoft.com/office/drawing/2014/main" id="{04DC2037-48A0-4F22-B9D4-8EAEBC780AB4}"/>
+              </a:ext>
+              <a:ext uri="{C183D7F6-B498-43B3-948B-1728B52AA6E4}">
+                <adec:decorative xmlns:adec="http://schemas.microsoft.com/office/drawing/2017/decorative" val="1"/>
+              </a:ext>
+            </a:extLst>
+          </p:cNvPr>
+          <p:cNvSpPr>
+            <a:spLocks noGrp="1" noRot="1" noChangeAspect="1" noMove="1" noResize="1" noEditPoints="1" noAdjustHandles="1" noChangeArrowheads="1" noChangeShapeType="1" noTextEdit="1"/>
+          </p:cNvSpPr>
+          <p:nvPr>
+            <p:extLst>
+              <p:ext uri="{386F3935-93C4-4BCD-93E2-E3B085C9AB24}">
+                <p16:designElem xmlns:p16="http://schemas.microsoft.com/office/powerpoint/2015/main" val="1"/>
+              </p:ext>
+            </p:extLst>
+          </p:nvPr>
+        </p:nvSpPr>
+        <p:spPr>
+          <a:xfrm flipH="1">
+            <a:off x="6149721" y="4682920"/>
+            <a:ext cx="4522796" cy="2175080"/>
+          </a:xfrm>
+          <a:custGeom>
+            <a:avLst/>
+            <a:gdLst>
+              <a:gd name="connsiteX0" fmla="*/ 3515449 w 4522796"/>
+              <a:gd name="connsiteY0" fmla="*/ 0 h 2175080"/>
+              <a:gd name="connsiteX1" fmla="*/ 0 w 4522796"/>
+              <a:gd name="connsiteY1" fmla="*/ 0 h 2175080"/>
+              <a:gd name="connsiteX2" fmla="*/ 0 w 4522796"/>
+              <a:gd name="connsiteY2" fmla="*/ 2175080 h 2175080"/>
+              <a:gd name="connsiteX3" fmla="*/ 4522796 w 4522796"/>
+              <a:gd name="connsiteY3" fmla="*/ 2175080 h 2175080"/>
+            </a:gdLst>
+            <a:ahLst/>
+            <a:cxnLst>
+              <a:cxn ang="0">
+                <a:pos x="connsiteX0" y="connsiteY0"/>
+              </a:cxn>
+              <a:cxn ang="0">
+                <a:pos x="connsiteX1" y="connsiteY1"/>
+              </a:cxn>
+              <a:cxn ang="0">
+                <a:pos x="connsiteX2" y="connsiteY2"/>
+              </a:cxn>
+              <a:cxn ang="0">
+                <a:pos x="connsiteX3" y="connsiteY3"/>
+              </a:cxn>
+            </a:cxnLst>
+            <a:rect l="l" t="t" r="r" b="b"/>
+            <a:pathLst>
+              <a:path w="4522796" h="2175080">
+                <a:moveTo>
+                  <a:pt x="3515449" y="0"/>
+                </a:moveTo>
+                <a:lnTo>
+                  <a:pt x="0" y="0"/>
+                </a:lnTo>
+                <a:lnTo>
+                  <a:pt x="0" y="2175080"/>
+                </a:lnTo>
+                <a:lnTo>
+                  <a:pt x="4522796" y="2175080"/>
+                </a:lnTo>
+                <a:close/>
+              </a:path>
+            </a:pathLst>
+          </a:custGeom>
+          <a:ln>
+            <a:noFill/>
+          </a:ln>
+        </p:spPr>
+        <p:style>
+          <a:lnRef idx="2">
+            <a:schemeClr val="accent1">
+              <a:shade val="50000"/>
+            </a:schemeClr>
+          </a:lnRef>
+          <a:fillRef idx="1">
+            <a:schemeClr val="accent1"/>
+          </a:fillRef>
+          <a:effectRef idx="0">
+            <a:schemeClr val="accent1"/>
+          </a:effectRef>
+          <a:fontRef idx="minor">
+            <a:schemeClr val="lt1"/>
+          </a:fontRef>
+        </p:style>
+        <p:txBody>
+          <a:bodyPr wrap="square" rtlCol="0" anchor="ctr">
+            <a:noAutofit/>
+          </a:bodyPr>
+          <a:lstStyle/>
+          <a:p>
+            <a:pPr algn="ctr"/>
+            <a:endParaRPr lang="en-US" b="1"/>
+          </a:p>
+        </p:txBody>
+      </p:sp>
+      <p:sp>
+        <p:nvSpPr>
+          <p:cNvPr id="14" name="Freeform 22">
+            <a:extLst>
+              <a:ext uri="{FF2B5EF4-FFF2-40B4-BE49-F238E27FC236}">
+                <a16:creationId xmlns:a16="http://schemas.microsoft.com/office/drawing/2014/main" id="{0006CBFD-ADA0-43D1-9332-9C34CA1C76ED}"/>
+              </a:ext>
+              <a:ext uri="{C183D7F6-B498-43B3-948B-1728B52AA6E4}">
+                <adec:decorative xmlns:adec="http://schemas.microsoft.com/office/drawing/2017/decorative" val="1"/>
+              </a:ext>
+            </a:extLst>
+          </p:cNvPr>
+          <p:cNvSpPr>
+            <a:spLocks noGrp="1" noRot="1" noChangeAspect="1" noMove="1" noResize="1" noEditPoints="1" noAdjustHandles="1" noChangeArrowheads="1" noChangeShapeType="1" noTextEdit="1"/>
+          </p:cNvSpPr>
+          <p:nvPr>
+            <p:extLst>
+              <p:ext uri="{386F3935-93C4-4BCD-93E2-E3B085C9AB24}">
+                <p16:designElem xmlns:p16="http://schemas.microsoft.com/office/powerpoint/2015/main" val="1"/>
+              </p:ext>
+            </p:extLst>
+          </p:nvPr>
+        </p:nvSpPr>
+        <p:spPr>
+          <a:xfrm>
+            <a:off x="6266810" y="4682920"/>
+            <a:ext cx="5925190" cy="2175080"/>
+          </a:xfrm>
+          <a:custGeom>
+            <a:avLst/>
+            <a:gdLst>
+              <a:gd name="connsiteX0" fmla="*/ 1007347 w 5925190"/>
+              <a:gd name="connsiteY0" fmla="*/ 0 h 2175080"/>
+              <a:gd name="connsiteX1" fmla="*/ 5925190 w 5925190"/>
+              <a:gd name="connsiteY1" fmla="*/ 0 h 2175080"/>
+              <a:gd name="connsiteX2" fmla="*/ 5925190 w 5925190"/>
+              <a:gd name="connsiteY2" fmla="*/ 2175080 h 2175080"/>
+              <a:gd name="connsiteX3" fmla="*/ 0 w 5925190"/>
+              <a:gd name="connsiteY3" fmla="*/ 2175080 h 2175080"/>
+            </a:gdLst>
+            <a:ahLst/>
+            <a:cxnLst>
+              <a:cxn ang="0">
+                <a:pos x="connsiteX0" y="connsiteY0"/>
+              </a:cxn>
+              <a:cxn ang="0">
+                <a:pos x="connsiteX1" y="connsiteY1"/>
+              </a:cxn>
+              <a:cxn ang="0">
+                <a:pos x="connsiteX2" y="connsiteY2"/>
+              </a:cxn>
+              <a:cxn ang="0">
+                <a:pos x="connsiteX3" y="connsiteY3"/>
+              </a:cxn>
+            </a:cxnLst>
+            <a:rect l="l" t="t" r="r" b="b"/>
+            <a:pathLst>
+              <a:path w="5925190" h="2175080">
+                <a:moveTo>
+                  <a:pt x="1007347" y="0"/>
+                </a:moveTo>
+                <a:lnTo>
+                  <a:pt x="5925190" y="0"/>
+                </a:lnTo>
+                <a:lnTo>
+                  <a:pt x="5925190" y="2175080"/>
+                </a:lnTo>
+                <a:lnTo>
+                  <a:pt x="0" y="2175080"/>
+                </a:lnTo>
+                <a:close/>
+              </a:path>
+            </a:pathLst>
+          </a:custGeom>
+          <a:solidFill>
+            <a:schemeClr val="accent4"/>
+          </a:solidFill>
+          <a:ln>
+            <a:noFill/>
+          </a:ln>
+        </p:spPr>
+        <p:style>
+          <a:lnRef idx="2">
+            <a:schemeClr val="accent1">
+              <a:shade val="50000"/>
+            </a:schemeClr>
+          </a:lnRef>
+          <a:fillRef idx="1">
+            <a:schemeClr val="accent1"/>
+          </a:fillRef>
+          <a:effectRef idx="0">
+            <a:schemeClr val="accent1"/>
+          </a:effectRef>
+          <a:fontRef idx="minor">
+            <a:schemeClr val="lt1"/>
+          </a:fontRef>
+        </p:style>
+        <p:txBody>
+          <a:bodyPr wrap="square" rtlCol="0" anchor="ctr">
+            <a:noAutofit/>
+          </a:bodyPr>
+          <a:lstStyle/>
+          <a:p>
+            <a:pPr algn="ctr"/>
+            <a:endParaRPr lang="en-US"/>
+          </a:p>
+        </p:txBody>
+      </p:sp>
+      <p:sp>
+        <p:nvSpPr>
+          <p:cNvPr id="16" name="Freeform 25">
+            <a:extLst>
+              <a:ext uri="{FF2B5EF4-FFF2-40B4-BE49-F238E27FC236}">
+                <a16:creationId xmlns:a16="http://schemas.microsoft.com/office/drawing/2014/main" id="{2B931666-F28F-45F3-A074-66D2272D580B}"/>
+              </a:ext>
+              <a:ext uri="{C183D7F6-B498-43B3-948B-1728B52AA6E4}">
+                <adec:decorative xmlns:adec="http://schemas.microsoft.com/office/drawing/2017/decorative" val="1"/>
+              </a:ext>
+            </a:extLst>
+          </p:cNvPr>
+          <p:cNvSpPr>
+            <a:spLocks noGrp="1" noRot="1" noChangeAspect="1" noMove="1" noResize="1" noEditPoints="1" noAdjustHandles="1" noChangeArrowheads="1" noChangeShapeType="1" noTextEdit="1"/>
+          </p:cNvSpPr>
+          <p:nvPr>
+            <p:extLst>
+              <p:ext uri="{386F3935-93C4-4BCD-93E2-E3B085C9AB24}">
+                <p16:designElem xmlns:p16="http://schemas.microsoft.com/office/powerpoint/2015/main" val="1"/>
+              </p:ext>
+            </p:extLst>
+          </p:nvPr>
+        </p:nvSpPr>
+        <p:spPr>
+          <a:xfrm>
+            <a:off x="0" y="4682920"/>
+            <a:ext cx="7114535" cy="2175080"/>
+          </a:xfrm>
+          <a:custGeom>
+            <a:avLst/>
+            <a:gdLst>
+              <a:gd name="connsiteX0" fmla="*/ 0 w 7114535"/>
+              <a:gd name="connsiteY0" fmla="*/ 0 h 2175080"/>
+              <a:gd name="connsiteX1" fmla="*/ 1189345 w 7114535"/>
+              <a:gd name="connsiteY1" fmla="*/ 0 h 2175080"/>
+              <a:gd name="connsiteX2" fmla="*/ 7114535 w 7114535"/>
+              <a:gd name="connsiteY2" fmla="*/ 0 h 2175080"/>
+              <a:gd name="connsiteX3" fmla="*/ 6107188 w 7114535"/>
+              <a:gd name="connsiteY3" fmla="*/ 2175080 h 2175080"/>
+              <a:gd name="connsiteX4" fmla="*/ 1189345 w 7114535"/>
+              <a:gd name="connsiteY4" fmla="*/ 2175080 h 2175080"/>
+              <a:gd name="connsiteX5" fmla="*/ 0 w 7114535"/>
+              <a:gd name="connsiteY5" fmla="*/ 2175080 h 2175080"/>
+            </a:gdLst>
+            <a:ahLst/>
+            <a:cxnLst>
+              <a:cxn ang="0">
+                <a:pos x="connsiteX0" y="connsiteY0"/>
+              </a:cxn>
+              <a:cxn ang="0">
+                <a:pos x="connsiteX1" y="connsiteY1"/>
+              </a:cxn>
+              <a:cxn ang="0">
+                <a:pos x="connsiteX2" y="connsiteY2"/>
+              </a:cxn>
+              <a:cxn ang="0">
+                <a:pos x="connsiteX3" y="connsiteY3"/>
+              </a:cxn>
+              <a:cxn ang="0">
+                <a:pos x="connsiteX4" y="connsiteY4"/>
+              </a:cxn>
+              <a:cxn ang="0">
+                <a:pos x="connsiteX5" y="connsiteY5"/>
+              </a:cxn>
+            </a:cxnLst>
+            <a:rect l="l" t="t" r="r" b="b"/>
+            <a:pathLst>
+              <a:path w="7114535" h="2175080">
+                <a:moveTo>
+                  <a:pt x="0" y="0"/>
+                </a:moveTo>
+                <a:lnTo>
+                  <a:pt x="1189345" y="0"/>
+                </a:lnTo>
+                <a:lnTo>
+                  <a:pt x="7114535" y="0"/>
+                </a:lnTo>
+                <a:lnTo>
+                  <a:pt x="6107188" y="2175080"/>
+                </a:lnTo>
+                <a:lnTo>
+                  <a:pt x="1189345" y="2175080"/>
+                </a:lnTo>
+                <a:lnTo>
+                  <a:pt x="0" y="2175080"/>
+                </a:lnTo>
+                <a:close/>
+              </a:path>
+            </a:pathLst>
+          </a:custGeom>
+          <a:solidFill>
+            <a:srgbClr val="7F7F7F">
+              <a:alpha val="40000"/>
+            </a:srgbClr>
+          </a:solidFill>
+          <a:ln>
+            <a:noFill/>
+          </a:ln>
+        </p:spPr>
+        <p:style>
+          <a:lnRef idx="2">
+            <a:schemeClr val="accent1">
+              <a:shade val="50000"/>
+            </a:schemeClr>
+          </a:lnRef>
+          <a:fillRef idx="1">
+            <a:schemeClr val="accent1"/>
+          </a:fillRef>
+          <a:effectRef idx="0">
+            <a:schemeClr val="accent1"/>
+          </a:effectRef>
+          <a:fontRef idx="minor">
+            <a:schemeClr val="lt1"/>
+          </a:fontRef>
+        </p:style>
+        <p:txBody>
+          <a:bodyPr rtlCol="0" anchor="ctr"/>
+          <a:lstStyle/>
+          <a:p>
+            <a:pPr algn="ctr"/>
+            <a:endParaRPr lang="en-US"/>
           </a:p>
         </p:txBody>
       </p:sp>
@@ -4069,6 +4710,703 @@
     <p:extLst>
       <p:ext uri="{BB962C8B-B14F-4D97-AF65-F5344CB8AC3E}">
         <p14:creationId xmlns:p14="http://schemas.microsoft.com/office/powerpoint/2010/main" val="1635133515"/>
+      </p:ext>
+    </p:extLst>
+  </p:cSld>
+  <p:clrMapOvr>
+    <a:masterClrMapping/>
+  </p:clrMapOvr>
+</p:sld>
+</file>
+
+<file path=ppt/slides/slide5.xml><?xml version="1.0" encoding="utf-8"?>
+<p:sld xmlns:a="http://schemas.openxmlformats.org/drawingml/2006/main" xmlns:r="http://schemas.openxmlformats.org/officeDocument/2006/relationships" xmlns:p="http://schemas.openxmlformats.org/presentationml/2006/main">
+  <p:cSld>
+    <p:bg>
+      <p:bgPr>
+        <a:solidFill>
+          <a:schemeClr val="bg1"/>
+        </a:solidFill>
+        <a:effectLst/>
+      </p:bgPr>
+    </p:bg>
+    <p:spTree>
+      <p:nvGrpSpPr>
+        <p:cNvPr id="1" name=""/>
+        <p:cNvGrpSpPr/>
+        <p:nvPr/>
+      </p:nvGrpSpPr>
+      <p:grpSpPr>
+        <a:xfrm>
+          <a:off x="0" y="0"/>
+          <a:ext cx="0" cy="0"/>
+          <a:chOff x="0" y="0"/>
+          <a:chExt cx="0" cy="0"/>
+        </a:xfrm>
+      </p:grpSpPr>
+      <p:sp>
+        <p:nvSpPr>
+          <p:cNvPr id="2" name="Title 1">
+            <a:extLst>
+              <a:ext uri="{FF2B5EF4-FFF2-40B4-BE49-F238E27FC236}">
+                <a16:creationId xmlns:a16="http://schemas.microsoft.com/office/drawing/2014/main" id="{5C4F0BBB-D3C3-41EB-88EE-A6DAB0AA72E7}"/>
+              </a:ext>
+            </a:extLst>
+          </p:cNvPr>
+          <p:cNvSpPr>
+            <a:spLocks noGrp="1"/>
+          </p:cNvSpPr>
+          <p:nvPr>
+            <p:ph type="title"/>
+          </p:nvPr>
+        </p:nvSpPr>
+        <p:spPr>
+          <a:xfrm>
+            <a:off x="2960309" y="2415491"/>
+            <a:ext cx="9144000" cy="1564716"/>
+          </a:xfrm>
+        </p:spPr>
+        <p:txBody>
+          <a:bodyPr vert="horz" lIns="91440" tIns="45720" rIns="91440" bIns="45720" rtlCol="0" anchor="b">
+            <a:normAutofit/>
+          </a:bodyPr>
+          <a:lstStyle/>
+          <a:p>
+            <a:r>
+              <a:rPr lang="en-US" sz="8800" kern="1200" dirty="0">
+                <a:solidFill>
+                  <a:schemeClr val="tx1"/>
+                </a:solidFill>
+                <a:latin typeface="+mj-lt"/>
+                <a:ea typeface="+mj-ea"/>
+                <a:cs typeface="+mj-cs"/>
+              </a:rPr>
+              <a:t>THANK YOU</a:t>
+            </a:r>
+          </a:p>
+        </p:txBody>
+      </p:sp>
+      <p:sp>
+        <p:nvSpPr>
+          <p:cNvPr id="7" name="Freeform 14">
+            <a:extLst>
+              <a:ext uri="{FF2B5EF4-FFF2-40B4-BE49-F238E27FC236}">
+                <a16:creationId xmlns:a16="http://schemas.microsoft.com/office/drawing/2014/main" id="{C66F2F30-5DC0-44A0-BFA6-E12F46ED16DA}"/>
+              </a:ext>
+              <a:ext uri="{C183D7F6-B498-43B3-948B-1728B52AA6E4}">
+                <adec:decorative xmlns:adec="http://schemas.microsoft.com/office/drawing/2017/decorative" val="1"/>
+              </a:ext>
+            </a:extLst>
+          </p:cNvPr>
+          <p:cNvSpPr>
+            <a:spLocks noGrp="1" noRot="1" noChangeAspect="1" noMove="1" noResize="1" noEditPoints="1" noAdjustHandles="1" noChangeArrowheads="1" noChangeShapeType="1" noTextEdit="1"/>
+          </p:cNvSpPr>
+          <p:nvPr>
+            <p:extLst>
+              <p:ext uri="{386F3935-93C4-4BCD-93E2-E3B085C9AB24}">
+                <p16:designElem xmlns:p16="http://schemas.microsoft.com/office/powerpoint/2015/main" val="1"/>
+              </p:ext>
+            </p:extLst>
+          </p:nvPr>
+        </p:nvSpPr>
+        <p:spPr>
+          <a:xfrm>
+            <a:off x="0" y="1"/>
+            <a:ext cx="5920619" cy="2130951"/>
+          </a:xfrm>
+          <a:custGeom>
+            <a:avLst/>
+            <a:gdLst>
+              <a:gd name="connsiteX0" fmla="*/ 0 w 5920619"/>
+              <a:gd name="connsiteY0" fmla="*/ 0 h 2130951"/>
+              <a:gd name="connsiteX1" fmla="*/ 3191370 w 5920619"/>
+              <a:gd name="connsiteY1" fmla="*/ 0 h 2130951"/>
+              <a:gd name="connsiteX2" fmla="*/ 3346315 w 5920619"/>
+              <a:gd name="connsiteY2" fmla="*/ 0 h 2130951"/>
+              <a:gd name="connsiteX3" fmla="*/ 5920619 w 5920619"/>
+              <a:gd name="connsiteY3" fmla="*/ 0 h 2130951"/>
+              <a:gd name="connsiteX4" fmla="*/ 4936971 w 5920619"/>
+              <a:gd name="connsiteY4" fmla="*/ 2130951 h 2130951"/>
+              <a:gd name="connsiteX5" fmla="*/ 0 w 5920619"/>
+              <a:gd name="connsiteY5" fmla="*/ 2130951 h 2130951"/>
+            </a:gdLst>
+            <a:ahLst/>
+            <a:cxnLst>
+              <a:cxn ang="0">
+                <a:pos x="connsiteX0" y="connsiteY0"/>
+              </a:cxn>
+              <a:cxn ang="0">
+                <a:pos x="connsiteX1" y="connsiteY1"/>
+              </a:cxn>
+              <a:cxn ang="0">
+                <a:pos x="connsiteX2" y="connsiteY2"/>
+              </a:cxn>
+              <a:cxn ang="0">
+                <a:pos x="connsiteX3" y="connsiteY3"/>
+              </a:cxn>
+              <a:cxn ang="0">
+                <a:pos x="connsiteX4" y="connsiteY4"/>
+              </a:cxn>
+              <a:cxn ang="0">
+                <a:pos x="connsiteX5" y="connsiteY5"/>
+              </a:cxn>
+            </a:cxnLst>
+            <a:rect l="l" t="t" r="r" b="b"/>
+            <a:pathLst>
+              <a:path w="5920619" h="2130951">
+                <a:moveTo>
+                  <a:pt x="0" y="0"/>
+                </a:moveTo>
+                <a:lnTo>
+                  <a:pt x="3191370" y="0"/>
+                </a:lnTo>
+                <a:lnTo>
+                  <a:pt x="3346315" y="0"/>
+                </a:lnTo>
+                <a:lnTo>
+                  <a:pt x="5920619" y="0"/>
+                </a:lnTo>
+                <a:lnTo>
+                  <a:pt x="4936971" y="2130951"/>
+                </a:lnTo>
+                <a:lnTo>
+                  <a:pt x="0" y="2130951"/>
+                </a:lnTo>
+                <a:close/>
+              </a:path>
+            </a:pathLst>
+          </a:custGeom>
+          <a:solidFill>
+            <a:srgbClr val="595959"/>
+          </a:solidFill>
+          <a:ln>
+            <a:noFill/>
+          </a:ln>
+        </p:spPr>
+        <p:style>
+          <a:lnRef idx="2">
+            <a:schemeClr val="accent1">
+              <a:shade val="50000"/>
+            </a:schemeClr>
+          </a:lnRef>
+          <a:fillRef idx="1">
+            <a:schemeClr val="accent1"/>
+          </a:fillRef>
+          <a:effectRef idx="0">
+            <a:schemeClr val="accent1"/>
+          </a:effectRef>
+          <a:fontRef idx="minor">
+            <a:schemeClr val="lt1"/>
+          </a:fontRef>
+        </p:style>
+        <p:txBody>
+          <a:bodyPr wrap="square" rtlCol="0" anchor="ctr">
+            <a:noAutofit/>
+          </a:bodyPr>
+          <a:lstStyle/>
+          <a:p>
+            <a:pPr algn="ctr"/>
+            <a:endParaRPr lang="en-US"/>
+          </a:p>
+        </p:txBody>
+      </p:sp>
+      <p:sp>
+        <p:nvSpPr>
+          <p:cNvPr id="9" name="Freeform 21">
+            <a:extLst>
+              <a:ext uri="{FF2B5EF4-FFF2-40B4-BE49-F238E27FC236}">
+                <a16:creationId xmlns:a16="http://schemas.microsoft.com/office/drawing/2014/main" id="{85872F57-7F42-4F97-8391-DDC8D0054C03}"/>
+              </a:ext>
+              <a:ext uri="{C183D7F6-B498-43B3-948B-1728B52AA6E4}">
+                <adec:decorative xmlns:adec="http://schemas.microsoft.com/office/drawing/2017/decorative" val="1"/>
+              </a:ext>
+            </a:extLst>
+          </p:cNvPr>
+          <p:cNvSpPr>
+            <a:spLocks noGrp="1" noRot="1" noChangeAspect="1" noMove="1" noResize="1" noEditPoints="1" noAdjustHandles="1" noChangeArrowheads="1" noChangeShapeType="1" noTextEdit="1"/>
+          </p:cNvSpPr>
+          <p:nvPr>
+            <p:extLst>
+              <p:ext uri="{386F3935-93C4-4BCD-93E2-E3B085C9AB24}">
+                <p16:designElem xmlns:p16="http://schemas.microsoft.com/office/powerpoint/2015/main" val="1"/>
+              </p:ext>
+            </p:extLst>
+          </p:nvPr>
+        </p:nvSpPr>
+        <p:spPr>
+          <a:xfrm>
+            <a:off x="5097839" y="0"/>
+            <a:ext cx="7094160" cy="2130952"/>
+          </a:xfrm>
+          <a:custGeom>
+            <a:avLst/>
+            <a:gdLst>
+              <a:gd name="connsiteX0" fmla="*/ 4417853 w 7094160"/>
+              <a:gd name="connsiteY0" fmla="*/ 0 h 2130952"/>
+              <a:gd name="connsiteX1" fmla="*/ 7094160 w 7094160"/>
+              <a:gd name="connsiteY1" fmla="*/ 0 h 2130952"/>
+              <a:gd name="connsiteX2" fmla="*/ 7094160 w 7094160"/>
+              <a:gd name="connsiteY2" fmla="*/ 2130552 h 2130952"/>
+              <a:gd name="connsiteX3" fmla="*/ 5920619 w 7094160"/>
+              <a:gd name="connsiteY3" fmla="*/ 2130552 h 2130952"/>
+              <a:gd name="connsiteX4" fmla="*/ 5920619 w 7094160"/>
+              <a:gd name="connsiteY4" fmla="*/ 2130952 h 2130952"/>
+              <a:gd name="connsiteX5" fmla="*/ 2729249 w 7094160"/>
+              <a:gd name="connsiteY5" fmla="*/ 2130952 h 2130952"/>
+              <a:gd name="connsiteX6" fmla="*/ 2574304 w 7094160"/>
+              <a:gd name="connsiteY6" fmla="*/ 2130952 h 2130952"/>
+              <a:gd name="connsiteX7" fmla="*/ 0 w 7094160"/>
+              <a:gd name="connsiteY7" fmla="*/ 2130952 h 2130952"/>
+              <a:gd name="connsiteX8" fmla="*/ 983648 w 7094160"/>
+              <a:gd name="connsiteY8" fmla="*/ 1 h 2130952"/>
+              <a:gd name="connsiteX9" fmla="*/ 4417853 w 7094160"/>
+              <a:gd name="connsiteY9" fmla="*/ 1 h 2130952"/>
+            </a:gdLst>
+            <a:ahLst/>
+            <a:cxnLst>
+              <a:cxn ang="0">
+                <a:pos x="connsiteX0" y="connsiteY0"/>
+              </a:cxn>
+              <a:cxn ang="0">
+                <a:pos x="connsiteX1" y="connsiteY1"/>
+              </a:cxn>
+              <a:cxn ang="0">
+                <a:pos x="connsiteX2" y="connsiteY2"/>
+              </a:cxn>
+              <a:cxn ang="0">
+                <a:pos x="connsiteX3" y="connsiteY3"/>
+              </a:cxn>
+              <a:cxn ang="0">
+                <a:pos x="connsiteX4" y="connsiteY4"/>
+              </a:cxn>
+              <a:cxn ang="0">
+                <a:pos x="connsiteX5" y="connsiteY5"/>
+              </a:cxn>
+              <a:cxn ang="0">
+                <a:pos x="connsiteX6" y="connsiteY6"/>
+              </a:cxn>
+              <a:cxn ang="0">
+                <a:pos x="connsiteX7" y="connsiteY7"/>
+              </a:cxn>
+              <a:cxn ang="0">
+                <a:pos x="connsiteX8" y="connsiteY8"/>
+              </a:cxn>
+              <a:cxn ang="0">
+                <a:pos x="connsiteX9" y="connsiteY9"/>
+              </a:cxn>
+            </a:cxnLst>
+            <a:rect l="l" t="t" r="r" b="b"/>
+            <a:pathLst>
+              <a:path w="7094160" h="2130952">
+                <a:moveTo>
+                  <a:pt x="4417853" y="0"/>
+                </a:moveTo>
+                <a:lnTo>
+                  <a:pt x="7094160" y="0"/>
+                </a:lnTo>
+                <a:lnTo>
+                  <a:pt x="7094160" y="2130552"/>
+                </a:lnTo>
+                <a:lnTo>
+                  <a:pt x="5920619" y="2130552"/>
+                </a:lnTo>
+                <a:lnTo>
+                  <a:pt x="5920619" y="2130952"/>
+                </a:lnTo>
+                <a:lnTo>
+                  <a:pt x="2729249" y="2130952"/>
+                </a:lnTo>
+                <a:lnTo>
+                  <a:pt x="2574304" y="2130952"/>
+                </a:lnTo>
+                <a:lnTo>
+                  <a:pt x="0" y="2130952"/>
+                </a:lnTo>
+                <a:lnTo>
+                  <a:pt x="983648" y="1"/>
+                </a:lnTo>
+                <a:lnTo>
+                  <a:pt x="4417853" y="1"/>
+                </a:lnTo>
+                <a:close/>
+              </a:path>
+            </a:pathLst>
+          </a:custGeom>
+          <a:solidFill>
+            <a:srgbClr val="7F7F7F">
+              <a:alpha val="40000"/>
+            </a:srgbClr>
+          </a:solidFill>
+          <a:ln>
+            <a:noFill/>
+          </a:ln>
+        </p:spPr>
+        <p:style>
+          <a:lnRef idx="2">
+            <a:schemeClr val="accent1">
+              <a:shade val="50000"/>
+            </a:schemeClr>
+          </a:lnRef>
+          <a:fillRef idx="1">
+            <a:schemeClr val="accent1"/>
+          </a:fillRef>
+          <a:effectRef idx="0">
+            <a:schemeClr val="accent1"/>
+          </a:effectRef>
+          <a:fontRef idx="minor">
+            <a:schemeClr val="lt1"/>
+          </a:fontRef>
+        </p:style>
+        <p:txBody>
+          <a:bodyPr rtlCol="0" anchor="ctr"/>
+          <a:lstStyle/>
+          <a:p>
+            <a:pPr algn="ctr"/>
+            <a:endParaRPr lang="en-US"/>
+          </a:p>
+        </p:txBody>
+      </p:sp>
+      <p:sp useBgFill="1">
+        <p:nvSpPr>
+          <p:cNvPr id="11" name="Freeform: Shape 10">
+            <a:extLst>
+              <a:ext uri="{FF2B5EF4-FFF2-40B4-BE49-F238E27FC236}">
+                <a16:creationId xmlns:a16="http://schemas.microsoft.com/office/drawing/2014/main" id="{04DC2037-48A0-4F22-B9D4-8EAEBC780AB4}"/>
+              </a:ext>
+              <a:ext uri="{C183D7F6-B498-43B3-948B-1728B52AA6E4}">
+                <adec:decorative xmlns:adec="http://schemas.microsoft.com/office/drawing/2017/decorative" val="1"/>
+              </a:ext>
+            </a:extLst>
+          </p:cNvPr>
+          <p:cNvSpPr>
+            <a:spLocks noGrp="1" noRot="1" noChangeAspect="1" noMove="1" noResize="1" noEditPoints="1" noAdjustHandles="1" noChangeArrowheads="1" noChangeShapeType="1" noTextEdit="1"/>
+          </p:cNvSpPr>
+          <p:nvPr>
+            <p:extLst>
+              <p:ext uri="{386F3935-93C4-4BCD-93E2-E3B085C9AB24}">
+                <p16:designElem xmlns:p16="http://schemas.microsoft.com/office/powerpoint/2015/main" val="1"/>
+              </p:ext>
+            </p:extLst>
+          </p:nvPr>
+        </p:nvSpPr>
+        <p:spPr>
+          <a:xfrm flipH="1">
+            <a:off x="6149721" y="4682920"/>
+            <a:ext cx="4522796" cy="2175080"/>
+          </a:xfrm>
+          <a:custGeom>
+            <a:avLst/>
+            <a:gdLst>
+              <a:gd name="connsiteX0" fmla="*/ 3515449 w 4522796"/>
+              <a:gd name="connsiteY0" fmla="*/ 0 h 2175080"/>
+              <a:gd name="connsiteX1" fmla="*/ 0 w 4522796"/>
+              <a:gd name="connsiteY1" fmla="*/ 0 h 2175080"/>
+              <a:gd name="connsiteX2" fmla="*/ 0 w 4522796"/>
+              <a:gd name="connsiteY2" fmla="*/ 2175080 h 2175080"/>
+              <a:gd name="connsiteX3" fmla="*/ 4522796 w 4522796"/>
+              <a:gd name="connsiteY3" fmla="*/ 2175080 h 2175080"/>
+            </a:gdLst>
+            <a:ahLst/>
+            <a:cxnLst>
+              <a:cxn ang="0">
+                <a:pos x="connsiteX0" y="connsiteY0"/>
+              </a:cxn>
+              <a:cxn ang="0">
+                <a:pos x="connsiteX1" y="connsiteY1"/>
+              </a:cxn>
+              <a:cxn ang="0">
+                <a:pos x="connsiteX2" y="connsiteY2"/>
+              </a:cxn>
+              <a:cxn ang="0">
+                <a:pos x="connsiteX3" y="connsiteY3"/>
+              </a:cxn>
+            </a:cxnLst>
+            <a:rect l="l" t="t" r="r" b="b"/>
+            <a:pathLst>
+              <a:path w="4522796" h="2175080">
+                <a:moveTo>
+                  <a:pt x="3515449" y="0"/>
+                </a:moveTo>
+                <a:lnTo>
+                  <a:pt x="0" y="0"/>
+                </a:lnTo>
+                <a:lnTo>
+                  <a:pt x="0" y="2175080"/>
+                </a:lnTo>
+                <a:lnTo>
+                  <a:pt x="4522796" y="2175080"/>
+                </a:lnTo>
+                <a:close/>
+              </a:path>
+            </a:pathLst>
+          </a:custGeom>
+          <a:ln>
+            <a:noFill/>
+          </a:ln>
+        </p:spPr>
+        <p:style>
+          <a:lnRef idx="2">
+            <a:schemeClr val="accent1">
+              <a:shade val="50000"/>
+            </a:schemeClr>
+          </a:lnRef>
+          <a:fillRef idx="1">
+            <a:schemeClr val="accent1"/>
+          </a:fillRef>
+          <a:effectRef idx="0">
+            <a:schemeClr val="accent1"/>
+          </a:effectRef>
+          <a:fontRef idx="minor">
+            <a:schemeClr val="lt1"/>
+          </a:fontRef>
+        </p:style>
+        <p:txBody>
+          <a:bodyPr wrap="square" rtlCol="0" anchor="ctr">
+            <a:noAutofit/>
+          </a:bodyPr>
+          <a:lstStyle/>
+          <a:p>
+            <a:pPr algn="ctr"/>
+            <a:endParaRPr lang="en-US" b="1"/>
+          </a:p>
+        </p:txBody>
+      </p:sp>
+      <p:sp>
+        <p:nvSpPr>
+          <p:cNvPr id="13" name="Freeform 22">
+            <a:extLst>
+              <a:ext uri="{FF2B5EF4-FFF2-40B4-BE49-F238E27FC236}">
+                <a16:creationId xmlns:a16="http://schemas.microsoft.com/office/drawing/2014/main" id="{0006CBFD-ADA0-43D1-9332-9C34CA1C76ED}"/>
+              </a:ext>
+              <a:ext uri="{C183D7F6-B498-43B3-948B-1728B52AA6E4}">
+                <adec:decorative xmlns:adec="http://schemas.microsoft.com/office/drawing/2017/decorative" val="1"/>
+              </a:ext>
+            </a:extLst>
+          </p:cNvPr>
+          <p:cNvSpPr>
+            <a:spLocks noGrp="1" noRot="1" noChangeAspect="1" noMove="1" noResize="1" noEditPoints="1" noAdjustHandles="1" noChangeArrowheads="1" noChangeShapeType="1" noTextEdit="1"/>
+          </p:cNvSpPr>
+          <p:nvPr>
+            <p:extLst>
+              <p:ext uri="{386F3935-93C4-4BCD-93E2-E3B085C9AB24}">
+                <p16:designElem xmlns:p16="http://schemas.microsoft.com/office/powerpoint/2015/main" val="1"/>
+              </p:ext>
+            </p:extLst>
+          </p:nvPr>
+        </p:nvSpPr>
+        <p:spPr>
+          <a:xfrm>
+            <a:off x="6266810" y="4682920"/>
+            <a:ext cx="5925190" cy="2175080"/>
+          </a:xfrm>
+          <a:custGeom>
+            <a:avLst/>
+            <a:gdLst>
+              <a:gd name="connsiteX0" fmla="*/ 1007347 w 5925190"/>
+              <a:gd name="connsiteY0" fmla="*/ 0 h 2175080"/>
+              <a:gd name="connsiteX1" fmla="*/ 5925190 w 5925190"/>
+              <a:gd name="connsiteY1" fmla="*/ 0 h 2175080"/>
+              <a:gd name="connsiteX2" fmla="*/ 5925190 w 5925190"/>
+              <a:gd name="connsiteY2" fmla="*/ 2175080 h 2175080"/>
+              <a:gd name="connsiteX3" fmla="*/ 0 w 5925190"/>
+              <a:gd name="connsiteY3" fmla="*/ 2175080 h 2175080"/>
+            </a:gdLst>
+            <a:ahLst/>
+            <a:cxnLst>
+              <a:cxn ang="0">
+                <a:pos x="connsiteX0" y="connsiteY0"/>
+              </a:cxn>
+              <a:cxn ang="0">
+                <a:pos x="connsiteX1" y="connsiteY1"/>
+              </a:cxn>
+              <a:cxn ang="0">
+                <a:pos x="connsiteX2" y="connsiteY2"/>
+              </a:cxn>
+              <a:cxn ang="0">
+                <a:pos x="connsiteX3" y="connsiteY3"/>
+              </a:cxn>
+            </a:cxnLst>
+            <a:rect l="l" t="t" r="r" b="b"/>
+            <a:pathLst>
+              <a:path w="5925190" h="2175080">
+                <a:moveTo>
+                  <a:pt x="1007347" y="0"/>
+                </a:moveTo>
+                <a:lnTo>
+                  <a:pt x="5925190" y="0"/>
+                </a:lnTo>
+                <a:lnTo>
+                  <a:pt x="5925190" y="2175080"/>
+                </a:lnTo>
+                <a:lnTo>
+                  <a:pt x="0" y="2175080"/>
+                </a:lnTo>
+                <a:close/>
+              </a:path>
+            </a:pathLst>
+          </a:custGeom>
+          <a:solidFill>
+            <a:schemeClr val="accent4"/>
+          </a:solidFill>
+          <a:ln>
+            <a:noFill/>
+          </a:ln>
+        </p:spPr>
+        <p:style>
+          <a:lnRef idx="2">
+            <a:schemeClr val="accent1">
+              <a:shade val="50000"/>
+            </a:schemeClr>
+          </a:lnRef>
+          <a:fillRef idx="1">
+            <a:schemeClr val="accent1"/>
+          </a:fillRef>
+          <a:effectRef idx="0">
+            <a:schemeClr val="accent1"/>
+          </a:effectRef>
+          <a:fontRef idx="minor">
+            <a:schemeClr val="lt1"/>
+          </a:fontRef>
+        </p:style>
+        <p:txBody>
+          <a:bodyPr wrap="square" rtlCol="0" anchor="ctr">
+            <a:noAutofit/>
+          </a:bodyPr>
+          <a:lstStyle/>
+          <a:p>
+            <a:pPr algn="ctr"/>
+            <a:endParaRPr lang="en-US"/>
+          </a:p>
+        </p:txBody>
+      </p:sp>
+      <p:sp>
+        <p:nvSpPr>
+          <p:cNvPr id="15" name="Freeform 25">
+            <a:extLst>
+              <a:ext uri="{FF2B5EF4-FFF2-40B4-BE49-F238E27FC236}">
+                <a16:creationId xmlns:a16="http://schemas.microsoft.com/office/drawing/2014/main" id="{2B931666-F28F-45F3-A074-66D2272D580B}"/>
+              </a:ext>
+              <a:ext uri="{C183D7F6-B498-43B3-948B-1728B52AA6E4}">
+                <adec:decorative xmlns:adec="http://schemas.microsoft.com/office/drawing/2017/decorative" val="1"/>
+              </a:ext>
+            </a:extLst>
+          </p:cNvPr>
+          <p:cNvSpPr>
+            <a:spLocks noGrp="1" noRot="1" noChangeAspect="1" noMove="1" noResize="1" noEditPoints="1" noAdjustHandles="1" noChangeArrowheads="1" noChangeShapeType="1" noTextEdit="1"/>
+          </p:cNvSpPr>
+          <p:nvPr>
+            <p:extLst>
+              <p:ext uri="{386F3935-93C4-4BCD-93E2-E3B085C9AB24}">
+                <p16:designElem xmlns:p16="http://schemas.microsoft.com/office/powerpoint/2015/main" val="1"/>
+              </p:ext>
+            </p:extLst>
+          </p:nvPr>
+        </p:nvSpPr>
+        <p:spPr>
+          <a:xfrm>
+            <a:off x="0" y="4682920"/>
+            <a:ext cx="7114535" cy="2175080"/>
+          </a:xfrm>
+          <a:custGeom>
+            <a:avLst/>
+            <a:gdLst>
+              <a:gd name="connsiteX0" fmla="*/ 0 w 7114535"/>
+              <a:gd name="connsiteY0" fmla="*/ 0 h 2175080"/>
+              <a:gd name="connsiteX1" fmla="*/ 1189345 w 7114535"/>
+              <a:gd name="connsiteY1" fmla="*/ 0 h 2175080"/>
+              <a:gd name="connsiteX2" fmla="*/ 7114535 w 7114535"/>
+              <a:gd name="connsiteY2" fmla="*/ 0 h 2175080"/>
+              <a:gd name="connsiteX3" fmla="*/ 6107188 w 7114535"/>
+              <a:gd name="connsiteY3" fmla="*/ 2175080 h 2175080"/>
+              <a:gd name="connsiteX4" fmla="*/ 1189345 w 7114535"/>
+              <a:gd name="connsiteY4" fmla="*/ 2175080 h 2175080"/>
+              <a:gd name="connsiteX5" fmla="*/ 0 w 7114535"/>
+              <a:gd name="connsiteY5" fmla="*/ 2175080 h 2175080"/>
+            </a:gdLst>
+            <a:ahLst/>
+            <a:cxnLst>
+              <a:cxn ang="0">
+                <a:pos x="connsiteX0" y="connsiteY0"/>
+              </a:cxn>
+              <a:cxn ang="0">
+                <a:pos x="connsiteX1" y="connsiteY1"/>
+              </a:cxn>
+              <a:cxn ang="0">
+                <a:pos x="connsiteX2" y="connsiteY2"/>
+              </a:cxn>
+              <a:cxn ang="0">
+                <a:pos x="connsiteX3" y="connsiteY3"/>
+              </a:cxn>
+              <a:cxn ang="0">
+                <a:pos x="connsiteX4" y="connsiteY4"/>
+              </a:cxn>
+              <a:cxn ang="0">
+                <a:pos x="connsiteX5" y="connsiteY5"/>
+              </a:cxn>
+            </a:cxnLst>
+            <a:rect l="l" t="t" r="r" b="b"/>
+            <a:pathLst>
+              <a:path w="7114535" h="2175080">
+                <a:moveTo>
+                  <a:pt x="0" y="0"/>
+                </a:moveTo>
+                <a:lnTo>
+                  <a:pt x="1189345" y="0"/>
+                </a:lnTo>
+                <a:lnTo>
+                  <a:pt x="7114535" y="0"/>
+                </a:lnTo>
+                <a:lnTo>
+                  <a:pt x="6107188" y="2175080"/>
+                </a:lnTo>
+                <a:lnTo>
+                  <a:pt x="1189345" y="2175080"/>
+                </a:lnTo>
+                <a:lnTo>
+                  <a:pt x="0" y="2175080"/>
+                </a:lnTo>
+                <a:close/>
+              </a:path>
+            </a:pathLst>
+          </a:custGeom>
+          <a:solidFill>
+            <a:srgbClr val="7F7F7F">
+              <a:alpha val="40000"/>
+            </a:srgbClr>
+          </a:solidFill>
+          <a:ln>
+            <a:noFill/>
+          </a:ln>
+        </p:spPr>
+        <p:style>
+          <a:lnRef idx="2">
+            <a:schemeClr val="accent1">
+              <a:shade val="50000"/>
+            </a:schemeClr>
+          </a:lnRef>
+          <a:fillRef idx="1">
+            <a:schemeClr val="accent1"/>
+          </a:fillRef>
+          <a:effectRef idx="0">
+            <a:schemeClr val="accent1"/>
+          </a:effectRef>
+          <a:fontRef idx="minor">
+            <a:schemeClr val="lt1"/>
+          </a:fontRef>
+        </p:style>
+        <p:txBody>
+          <a:bodyPr rtlCol="0" anchor="ctr"/>
+          <a:lstStyle/>
+          <a:p>
+            <a:pPr algn="ctr"/>
+            <a:endParaRPr lang="en-US"/>
+          </a:p>
+        </p:txBody>
+      </p:sp>
+    </p:spTree>
+    <p:extLst>
+      <p:ext uri="{BB962C8B-B14F-4D97-AF65-F5344CB8AC3E}">
+        <p14:creationId xmlns:p14="http://schemas.microsoft.com/office/powerpoint/2010/main" val="316764076"/>
       </p:ext>
     </p:extLst>
   </p:cSld>

--- a/Project_Week_7/Precise Analysis.pptx
+++ b/Project_Week_7/Precise Analysis.pptx
@@ -9,6 +9,10 @@
     <p:sldId id="257" r:id="rId3"/>
     <p:sldId id="261" r:id="rId4"/>
     <p:sldId id="259" r:id="rId5"/>
+    <p:sldId id="262" r:id="rId6"/>
+    <p:sldId id="263" r:id="rId7"/>
+    <p:sldId id="264" r:id="rId8"/>
+    <p:sldId id="265" r:id="rId9"/>
   </p:sldIdLst>
   <p:sldSz cx="12192000" cy="6858000"/>
   <p:notesSz cx="6858000" cy="9144000"/>
@@ -262,7 +266,7 @@
           <a:p>
             <a:fld id="{23549F34-81B6-4052-990C-DAB85C5B3430}" type="datetimeFigureOut">
               <a:rPr lang="de-DE" smtClean="0"/>
-              <a:t>30.11.2020</a:t>
+              <a:t>06.12.2020</a:t>
             </a:fld>
             <a:endParaRPr lang="de-DE"/>
           </a:p>
@@ -316,7 +320,7 @@
           <a:p>
             <a:fld id="{59436D6C-09F6-4967-B045-448DC0A44960}" type="slidenum">
               <a:rPr lang="de-DE" smtClean="0"/>
-              <a:t>‹#›</a:t>
+              <a:t>‹Nr.›</a:t>
             </a:fld>
             <a:endParaRPr lang="de-DE"/>
           </a:p>
@@ -460,7 +464,7 @@
           <a:p>
             <a:fld id="{23549F34-81B6-4052-990C-DAB85C5B3430}" type="datetimeFigureOut">
               <a:rPr lang="de-DE" smtClean="0"/>
-              <a:t>30.11.2020</a:t>
+              <a:t>06.12.2020</a:t>
             </a:fld>
             <a:endParaRPr lang="de-DE"/>
           </a:p>
@@ -514,7 +518,7 @@
           <a:p>
             <a:fld id="{59436D6C-09F6-4967-B045-448DC0A44960}" type="slidenum">
               <a:rPr lang="de-DE" smtClean="0"/>
-              <a:t>‹#›</a:t>
+              <a:t>‹Nr.›</a:t>
             </a:fld>
             <a:endParaRPr lang="de-DE"/>
           </a:p>
@@ -668,7 +672,7 @@
           <a:p>
             <a:fld id="{23549F34-81B6-4052-990C-DAB85C5B3430}" type="datetimeFigureOut">
               <a:rPr lang="de-DE" smtClean="0"/>
-              <a:t>30.11.2020</a:t>
+              <a:t>06.12.2020</a:t>
             </a:fld>
             <a:endParaRPr lang="de-DE"/>
           </a:p>
@@ -722,7 +726,7 @@
           <a:p>
             <a:fld id="{59436D6C-09F6-4967-B045-448DC0A44960}" type="slidenum">
               <a:rPr lang="de-DE" smtClean="0"/>
-              <a:t>‹#›</a:t>
+              <a:t>‹Nr.›</a:t>
             </a:fld>
             <a:endParaRPr lang="de-DE"/>
           </a:p>
@@ -866,7 +870,7 @@
           <a:p>
             <a:fld id="{23549F34-81B6-4052-990C-DAB85C5B3430}" type="datetimeFigureOut">
               <a:rPr lang="de-DE" smtClean="0"/>
-              <a:t>30.11.2020</a:t>
+              <a:t>06.12.2020</a:t>
             </a:fld>
             <a:endParaRPr lang="de-DE"/>
           </a:p>
@@ -920,7 +924,7 @@
           <a:p>
             <a:fld id="{59436D6C-09F6-4967-B045-448DC0A44960}" type="slidenum">
               <a:rPr lang="de-DE" smtClean="0"/>
-              <a:t>‹#›</a:t>
+              <a:t>‹Nr.›</a:t>
             </a:fld>
             <a:endParaRPr lang="de-DE"/>
           </a:p>
@@ -1141,7 +1145,7 @@
           <a:p>
             <a:fld id="{23549F34-81B6-4052-990C-DAB85C5B3430}" type="datetimeFigureOut">
               <a:rPr lang="de-DE" smtClean="0"/>
-              <a:t>30.11.2020</a:t>
+              <a:t>06.12.2020</a:t>
             </a:fld>
             <a:endParaRPr lang="de-DE"/>
           </a:p>
@@ -1195,7 +1199,7 @@
           <a:p>
             <a:fld id="{59436D6C-09F6-4967-B045-448DC0A44960}" type="slidenum">
               <a:rPr lang="de-DE" smtClean="0"/>
-              <a:t>‹#›</a:t>
+              <a:t>‹Nr.›</a:t>
             </a:fld>
             <a:endParaRPr lang="de-DE"/>
           </a:p>
@@ -1406,7 +1410,7 @@
           <a:p>
             <a:fld id="{23549F34-81B6-4052-990C-DAB85C5B3430}" type="datetimeFigureOut">
               <a:rPr lang="de-DE" smtClean="0"/>
-              <a:t>30.11.2020</a:t>
+              <a:t>06.12.2020</a:t>
             </a:fld>
             <a:endParaRPr lang="de-DE"/>
           </a:p>
@@ -1460,7 +1464,7 @@
           <a:p>
             <a:fld id="{59436D6C-09F6-4967-B045-448DC0A44960}" type="slidenum">
               <a:rPr lang="de-DE" smtClean="0"/>
-              <a:t>‹#›</a:t>
+              <a:t>‹Nr.›</a:t>
             </a:fld>
             <a:endParaRPr lang="de-DE"/>
           </a:p>
@@ -1818,7 +1822,7 @@
           <a:p>
             <a:fld id="{23549F34-81B6-4052-990C-DAB85C5B3430}" type="datetimeFigureOut">
               <a:rPr lang="de-DE" smtClean="0"/>
-              <a:t>30.11.2020</a:t>
+              <a:t>06.12.2020</a:t>
             </a:fld>
             <a:endParaRPr lang="de-DE"/>
           </a:p>
@@ -1872,7 +1876,7 @@
           <a:p>
             <a:fld id="{59436D6C-09F6-4967-B045-448DC0A44960}" type="slidenum">
               <a:rPr lang="de-DE" smtClean="0"/>
-              <a:t>‹#›</a:t>
+              <a:t>‹Nr.›</a:t>
             </a:fld>
             <a:endParaRPr lang="de-DE"/>
           </a:p>
@@ -1959,7 +1963,7 @@
           <a:p>
             <a:fld id="{23549F34-81B6-4052-990C-DAB85C5B3430}" type="datetimeFigureOut">
               <a:rPr lang="de-DE" smtClean="0"/>
-              <a:t>30.11.2020</a:t>
+              <a:t>06.12.2020</a:t>
             </a:fld>
             <a:endParaRPr lang="de-DE"/>
           </a:p>
@@ -2013,7 +2017,7 @@
           <a:p>
             <a:fld id="{59436D6C-09F6-4967-B045-448DC0A44960}" type="slidenum">
               <a:rPr lang="de-DE" smtClean="0"/>
-              <a:t>‹#›</a:t>
+              <a:t>‹Nr.›</a:t>
             </a:fld>
             <a:endParaRPr lang="de-DE"/>
           </a:p>
@@ -2072,7 +2076,7 @@
           <a:p>
             <a:fld id="{23549F34-81B6-4052-990C-DAB85C5B3430}" type="datetimeFigureOut">
               <a:rPr lang="de-DE" smtClean="0"/>
-              <a:t>30.11.2020</a:t>
+              <a:t>06.12.2020</a:t>
             </a:fld>
             <a:endParaRPr lang="de-DE"/>
           </a:p>
@@ -2126,7 +2130,7 @@
           <a:p>
             <a:fld id="{59436D6C-09F6-4967-B045-448DC0A44960}" type="slidenum">
               <a:rPr lang="de-DE" smtClean="0"/>
-              <a:t>‹#›</a:t>
+              <a:t>‹Nr.›</a:t>
             </a:fld>
             <a:endParaRPr lang="de-DE"/>
           </a:p>
@@ -2383,7 +2387,7 @@
           <a:p>
             <a:fld id="{23549F34-81B6-4052-990C-DAB85C5B3430}" type="datetimeFigureOut">
               <a:rPr lang="de-DE" smtClean="0"/>
-              <a:t>30.11.2020</a:t>
+              <a:t>06.12.2020</a:t>
             </a:fld>
             <a:endParaRPr lang="de-DE"/>
           </a:p>
@@ -2437,7 +2441,7 @@
           <a:p>
             <a:fld id="{59436D6C-09F6-4967-B045-448DC0A44960}" type="slidenum">
               <a:rPr lang="de-DE" smtClean="0"/>
-              <a:t>‹#›</a:t>
+              <a:t>‹Nr.›</a:t>
             </a:fld>
             <a:endParaRPr lang="de-DE"/>
           </a:p>
@@ -2671,7 +2675,7 @@
           <a:p>
             <a:fld id="{23549F34-81B6-4052-990C-DAB85C5B3430}" type="datetimeFigureOut">
               <a:rPr lang="de-DE" smtClean="0"/>
-              <a:t>30.11.2020</a:t>
+              <a:t>06.12.2020</a:t>
             </a:fld>
             <a:endParaRPr lang="de-DE"/>
           </a:p>
@@ -2725,7 +2729,7 @@
           <a:p>
             <a:fld id="{59436D6C-09F6-4967-B045-448DC0A44960}" type="slidenum">
               <a:rPr lang="de-DE" smtClean="0"/>
-              <a:t>‹#›</a:t>
+              <a:t>‹Nr.›</a:t>
             </a:fld>
             <a:endParaRPr lang="de-DE"/>
           </a:p>
@@ -2912,7 +2916,7 @@
           <a:p>
             <a:fld id="{23549F34-81B6-4052-990C-DAB85C5B3430}" type="datetimeFigureOut">
               <a:rPr lang="de-DE" smtClean="0"/>
-              <a:t>30.11.2020</a:t>
+              <a:t>06.12.2020</a:t>
             </a:fld>
             <a:endParaRPr lang="de-DE"/>
           </a:p>
@@ -3002,7 +3006,7 @@
           <a:p>
             <a:fld id="{59436D6C-09F6-4967-B045-448DC0A44960}" type="slidenum">
               <a:rPr lang="de-DE" smtClean="0"/>
-              <a:t>‹#›</a:t>
+              <a:t>‹Nr.›</a:t>
             </a:fld>
             <a:endParaRPr lang="de-DE"/>
           </a:p>
@@ -4078,6 +4082,779 @@
 </p:sld>
 </file>
 
+<file path=ppt/slides/slide5.xml><?xml version="1.0" encoding="utf-8"?>
+<p:sld xmlns:a="http://schemas.openxmlformats.org/drawingml/2006/main" xmlns:r="http://schemas.openxmlformats.org/officeDocument/2006/relationships" xmlns:p="http://schemas.openxmlformats.org/presentationml/2006/main">
+  <p:cSld>
+    <p:spTree>
+      <p:nvGrpSpPr>
+        <p:cNvPr id="1" name=""/>
+        <p:cNvGrpSpPr/>
+        <p:nvPr/>
+      </p:nvGrpSpPr>
+      <p:grpSpPr>
+        <a:xfrm>
+          <a:off x="0" y="0"/>
+          <a:ext cx="0" cy="0"/>
+          <a:chOff x="0" y="0"/>
+          <a:chExt cx="0" cy="0"/>
+        </a:xfrm>
+      </p:grpSpPr>
+      <p:sp>
+        <p:nvSpPr>
+          <p:cNvPr id="2" name="Titel 1">
+            <a:extLst>
+              <a:ext uri="{FF2B5EF4-FFF2-40B4-BE49-F238E27FC236}">
+                <a16:creationId xmlns:a16="http://schemas.microsoft.com/office/drawing/2014/main" id="{1E29CA76-E75D-4AB7-8299-B44A273B9555}"/>
+              </a:ext>
+            </a:extLst>
+          </p:cNvPr>
+          <p:cNvSpPr>
+            <a:spLocks noGrp="1"/>
+          </p:cNvSpPr>
+          <p:nvPr>
+            <p:ph type="title"/>
+          </p:nvPr>
+        </p:nvSpPr>
+        <p:spPr/>
+        <p:txBody>
+          <a:bodyPr/>
+          <a:lstStyle/>
+          <a:p>
+            <a:pPr algn="ctr"/>
+            <a:r>
+              <a:rPr lang="de-DE" dirty="0"/>
+              <a:t>SEQUENCE DIAGRAM FOR LOGIN</a:t>
+            </a:r>
+          </a:p>
+        </p:txBody>
+      </p:sp>
+      <p:pic>
+        <p:nvPicPr>
+          <p:cNvPr id="5" name="Inhaltsplatzhalter 4">
+            <a:extLst>
+              <a:ext uri="{FF2B5EF4-FFF2-40B4-BE49-F238E27FC236}">
+                <a16:creationId xmlns:a16="http://schemas.microsoft.com/office/drawing/2014/main" id="{9480DBE4-CB95-413B-863C-4814D6A48C66}"/>
+              </a:ext>
+            </a:extLst>
+          </p:cNvPr>
+          <p:cNvPicPr>
+            <a:picLocks noGrp="1" noChangeAspect="1"/>
+          </p:cNvPicPr>
+          <p:nvPr>
+            <p:ph idx="1"/>
+          </p:nvPr>
+        </p:nvPicPr>
+        <p:blipFill>
+          <a:blip r:embed="rId2">
+            <a:extLst>
+              <a:ext uri="{28A0092B-C50C-407E-A947-70E740481C1C}">
+                <a14:useLocalDpi xmlns:a14="http://schemas.microsoft.com/office/drawing/2010/main" val="0"/>
+              </a:ext>
+            </a:extLst>
+          </a:blip>
+          <a:stretch>
+            <a:fillRect/>
+          </a:stretch>
+        </p:blipFill>
+        <p:spPr>
+          <a:xfrm>
+            <a:off x="2344366" y="1848095"/>
+            <a:ext cx="7821038" cy="4251147"/>
+          </a:xfrm>
+        </p:spPr>
+      </p:pic>
+    </p:spTree>
+    <p:extLst>
+      <p:ext uri="{BB962C8B-B14F-4D97-AF65-F5344CB8AC3E}">
+        <p14:creationId xmlns:p14="http://schemas.microsoft.com/office/powerpoint/2010/main" val="4003976245"/>
+      </p:ext>
+    </p:extLst>
+  </p:cSld>
+  <p:clrMapOvr>
+    <a:masterClrMapping/>
+  </p:clrMapOvr>
+</p:sld>
+</file>
+
+<file path=ppt/slides/slide6.xml><?xml version="1.0" encoding="utf-8"?>
+<p:sld xmlns:a="http://schemas.openxmlformats.org/drawingml/2006/main" xmlns:r="http://schemas.openxmlformats.org/officeDocument/2006/relationships" xmlns:p="http://schemas.openxmlformats.org/presentationml/2006/main">
+  <p:cSld>
+    <p:bg>
+      <p:bgPr>
+        <a:solidFill>
+          <a:schemeClr val="bg2"/>
+        </a:solidFill>
+        <a:effectLst/>
+      </p:bgPr>
+    </p:bg>
+    <p:spTree>
+      <p:nvGrpSpPr>
+        <p:cNvPr id="1" name=""/>
+        <p:cNvGrpSpPr/>
+        <p:nvPr/>
+      </p:nvGrpSpPr>
+      <p:grpSpPr>
+        <a:xfrm>
+          <a:off x="0" y="0"/>
+          <a:ext cx="0" cy="0"/>
+          <a:chOff x="0" y="0"/>
+          <a:chExt cx="0" cy="0"/>
+        </a:xfrm>
+      </p:grpSpPr>
+      <p:sp>
+        <p:nvSpPr>
+          <p:cNvPr id="10" name="Rectangle 9">
+            <a:extLst>
+              <a:ext uri="{FF2B5EF4-FFF2-40B4-BE49-F238E27FC236}">
+                <a16:creationId xmlns:a16="http://schemas.microsoft.com/office/drawing/2014/main" id="{16C5FA50-8D52-4617-AF91-5C7B1C8352F1}"/>
+              </a:ext>
+              <a:ext uri="{C183D7F6-B498-43B3-948B-1728B52AA6E4}">
+                <adec:decorative xmlns:adec="http://schemas.microsoft.com/office/drawing/2017/decorative" val="1"/>
+              </a:ext>
+            </a:extLst>
+          </p:cNvPr>
+          <p:cNvSpPr>
+            <a:spLocks noGrp="1" noRot="1" noChangeAspect="1" noMove="1" noResize="1" noEditPoints="1" noAdjustHandles="1" noChangeArrowheads="1" noChangeShapeType="1" noTextEdit="1"/>
+          </p:cNvSpPr>
+          <p:nvPr>
+            <p:extLst>
+              <p:ext uri="{386F3935-93C4-4BCD-93E2-E3B085C9AB24}">
+                <p16:designElem xmlns:p16="http://schemas.microsoft.com/office/powerpoint/2015/main" val="1"/>
+              </p:ext>
+            </p:extLst>
+          </p:nvPr>
+        </p:nvSpPr>
+        <p:spPr>
+          <a:xfrm>
+            <a:off x="0" y="0"/>
+            <a:ext cx="12192000" cy="6858000"/>
+          </a:xfrm>
+          <a:prstGeom prst="rect">
+            <a:avLst/>
+          </a:prstGeom>
+          <a:solidFill>
+            <a:srgbClr val="767171"/>
+          </a:solidFill>
+          <a:ln>
+            <a:noFill/>
+          </a:ln>
+        </p:spPr>
+        <p:style>
+          <a:lnRef idx="2">
+            <a:schemeClr val="accent1">
+              <a:shade val="50000"/>
+            </a:schemeClr>
+          </a:lnRef>
+          <a:fillRef idx="1">
+            <a:schemeClr val="accent1"/>
+          </a:fillRef>
+          <a:effectRef idx="0">
+            <a:schemeClr val="accent1"/>
+          </a:effectRef>
+          <a:fontRef idx="minor">
+            <a:schemeClr val="lt1"/>
+          </a:fontRef>
+        </p:style>
+        <p:txBody>
+          <a:bodyPr rtlCol="0" anchor="ctr"/>
+          <a:lstStyle/>
+          <a:p>
+            <a:pPr algn="ctr"/>
+            <a:endParaRPr lang="en-US"/>
+          </a:p>
+        </p:txBody>
+      </p:sp>
+      <p:sp>
+        <p:nvSpPr>
+          <p:cNvPr id="2" name="Titel 1">
+            <a:extLst>
+              <a:ext uri="{FF2B5EF4-FFF2-40B4-BE49-F238E27FC236}">
+                <a16:creationId xmlns:a16="http://schemas.microsoft.com/office/drawing/2014/main" id="{7DEEC474-0D75-45E1-B309-2307D2E29849}"/>
+              </a:ext>
+            </a:extLst>
+          </p:cNvPr>
+          <p:cNvSpPr>
+            <a:spLocks noGrp="1"/>
+          </p:cNvSpPr>
+          <p:nvPr>
+            <p:ph type="title"/>
+          </p:nvPr>
+        </p:nvSpPr>
+        <p:spPr>
+          <a:xfrm>
+            <a:off x="9093496" y="618681"/>
+            <a:ext cx="2613872" cy="4794567"/>
+          </a:xfrm>
+        </p:spPr>
+        <p:txBody>
+          <a:bodyPr vert="horz" lIns="91440" tIns="45720" rIns="91440" bIns="45720" rtlCol="0" anchor="ctr">
+            <a:normAutofit/>
+          </a:bodyPr>
+          <a:lstStyle/>
+          <a:p>
+            <a:r>
+              <a:rPr lang="en-US" sz="3100">
+                <a:solidFill>
+                  <a:srgbClr val="FFFFFF"/>
+                </a:solidFill>
+              </a:rPr>
+              <a:t>SEQUENCE DIAGRAM FOR CONTROLLING LIGHT</a:t>
+            </a:r>
+          </a:p>
+        </p:txBody>
+      </p:sp>
+      <p:sp>
+        <p:nvSpPr>
+          <p:cNvPr id="12" name="Rounded Rectangle 9">
+            <a:extLst>
+              <a:ext uri="{FF2B5EF4-FFF2-40B4-BE49-F238E27FC236}">
+                <a16:creationId xmlns:a16="http://schemas.microsoft.com/office/drawing/2014/main" id="{E223798C-12AD-4B0C-A50C-D676347D67CF}"/>
+              </a:ext>
+              <a:ext uri="{C183D7F6-B498-43B3-948B-1728B52AA6E4}">
+                <adec:decorative xmlns:adec="http://schemas.microsoft.com/office/drawing/2017/decorative" val="1"/>
+              </a:ext>
+            </a:extLst>
+          </p:cNvPr>
+          <p:cNvSpPr>
+            <a:spLocks noGrp="1" noRot="1" noChangeAspect="1" noMove="1" noResize="1" noEditPoints="1" noAdjustHandles="1" noChangeArrowheads="1" noChangeShapeType="1" noTextEdit="1"/>
+          </p:cNvSpPr>
+          <p:nvPr>
+            <p:extLst>
+              <p:ext uri="{386F3935-93C4-4BCD-93E2-E3B085C9AB24}">
+                <p16:designElem xmlns:p16="http://schemas.microsoft.com/office/powerpoint/2015/main" val="1"/>
+              </p:ext>
+            </p:extLst>
+          </p:nvPr>
+        </p:nvSpPr>
+        <p:spPr>
+          <a:xfrm>
+            <a:off x="493354" y="484632"/>
+            <a:ext cx="8129016" cy="5724144"/>
+          </a:xfrm>
+          <a:prstGeom prst="roundRect">
+            <a:avLst>
+              <a:gd name="adj" fmla="val 0"/>
+            </a:avLst>
+          </a:prstGeom>
+          <a:solidFill>
+            <a:srgbClr val="FFFFFF"/>
+          </a:solidFill>
+          <a:ln w="9525">
+            <a:solidFill>
+              <a:srgbClr val="C8CACA"/>
+            </a:solidFill>
+          </a:ln>
+          <a:effectLst>
+            <a:outerShdw blurRad="57150" dist="19050" dir="5400000" algn="t" rotWithShape="0">
+              <a:prstClr val="black">
+                <a:alpha val="63000"/>
+              </a:prstClr>
+            </a:outerShdw>
+          </a:effectLst>
+        </p:spPr>
+        <p:style>
+          <a:lnRef idx="2">
+            <a:schemeClr val="accent1">
+              <a:shade val="50000"/>
+            </a:schemeClr>
+          </a:lnRef>
+          <a:fillRef idx="1">
+            <a:schemeClr val="accent1"/>
+          </a:fillRef>
+          <a:effectRef idx="0">
+            <a:schemeClr val="accent1"/>
+          </a:effectRef>
+          <a:fontRef idx="minor">
+            <a:schemeClr val="lt1"/>
+          </a:fontRef>
+        </p:style>
+        <p:txBody>
+          <a:bodyPr rtlCol="0" anchor="ctr"/>
+          <a:lstStyle/>
+          <a:p>
+            <a:pPr algn="ctr"/>
+            <a:endParaRPr lang="en-US"/>
+          </a:p>
+        </p:txBody>
+      </p:sp>
+      <p:pic>
+        <p:nvPicPr>
+          <p:cNvPr id="9" name="Inhaltsplatzhalter 8">
+            <a:extLst>
+              <a:ext uri="{FF2B5EF4-FFF2-40B4-BE49-F238E27FC236}">
+                <a16:creationId xmlns:a16="http://schemas.microsoft.com/office/drawing/2014/main" id="{9BAFB1A1-8574-4975-85A3-2665D7798875}"/>
+              </a:ext>
+            </a:extLst>
+          </p:cNvPr>
+          <p:cNvPicPr>
+            <a:picLocks noGrp="1" noChangeAspect="1"/>
+          </p:cNvPicPr>
+          <p:nvPr>
+            <p:ph idx="1"/>
+          </p:nvPr>
+        </p:nvPicPr>
+        <p:blipFill>
+          <a:blip r:embed="rId2">
+            <a:extLst>
+              <a:ext uri="{28A0092B-C50C-407E-A947-70E740481C1C}">
+                <a14:useLocalDpi xmlns:a14="http://schemas.microsoft.com/office/drawing/2010/main" val="0"/>
+              </a:ext>
+            </a:extLst>
+          </a:blip>
+          <a:stretch>
+            <a:fillRect/>
+          </a:stretch>
+        </p:blipFill>
+        <p:spPr>
+          <a:xfrm>
+            <a:off x="484632" y="484632"/>
+            <a:ext cx="8137738" cy="5724144"/>
+          </a:xfrm>
+        </p:spPr>
+      </p:pic>
+    </p:spTree>
+    <p:extLst>
+      <p:ext uri="{BB962C8B-B14F-4D97-AF65-F5344CB8AC3E}">
+        <p14:creationId xmlns:p14="http://schemas.microsoft.com/office/powerpoint/2010/main" val="3097639714"/>
+      </p:ext>
+    </p:extLst>
+  </p:cSld>
+  <p:clrMapOvr>
+    <a:masterClrMapping/>
+  </p:clrMapOvr>
+</p:sld>
+</file>
+
+<file path=ppt/slides/slide7.xml><?xml version="1.0" encoding="utf-8"?>
+<p:sld xmlns:a="http://schemas.openxmlformats.org/drawingml/2006/main" xmlns:r="http://schemas.openxmlformats.org/officeDocument/2006/relationships" xmlns:p="http://schemas.openxmlformats.org/presentationml/2006/main">
+  <p:cSld>
+    <p:bg>
+      <p:bgPr>
+        <a:solidFill>
+          <a:schemeClr val="bg2"/>
+        </a:solidFill>
+        <a:effectLst/>
+      </p:bgPr>
+    </p:bg>
+    <p:spTree>
+      <p:nvGrpSpPr>
+        <p:cNvPr id="1" name=""/>
+        <p:cNvGrpSpPr/>
+        <p:nvPr/>
+      </p:nvGrpSpPr>
+      <p:grpSpPr>
+        <a:xfrm>
+          <a:off x="0" y="0"/>
+          <a:ext cx="0" cy="0"/>
+          <a:chOff x="0" y="0"/>
+          <a:chExt cx="0" cy="0"/>
+        </a:xfrm>
+      </p:grpSpPr>
+      <p:sp>
+        <p:nvSpPr>
+          <p:cNvPr id="10" name="Rectangle 9">
+            <a:extLst>
+              <a:ext uri="{FF2B5EF4-FFF2-40B4-BE49-F238E27FC236}">
+                <a16:creationId xmlns:a16="http://schemas.microsoft.com/office/drawing/2014/main" id="{BEE73255-8084-4DF9-BB0B-15EAC92E2CB9}"/>
+              </a:ext>
+              <a:ext uri="{C183D7F6-B498-43B3-948B-1728B52AA6E4}">
+                <adec:decorative xmlns:adec="http://schemas.microsoft.com/office/drawing/2017/decorative" val="1"/>
+              </a:ext>
+            </a:extLst>
+          </p:cNvPr>
+          <p:cNvSpPr>
+            <a:spLocks noGrp="1" noRot="1" noChangeAspect="1" noMove="1" noResize="1" noEditPoints="1" noAdjustHandles="1" noChangeArrowheads="1" noChangeShapeType="1" noTextEdit="1"/>
+          </p:cNvSpPr>
+          <p:nvPr>
+            <p:extLst>
+              <p:ext uri="{386F3935-93C4-4BCD-93E2-E3B085C9AB24}">
+                <p16:designElem xmlns:p16="http://schemas.microsoft.com/office/powerpoint/2015/main" val="1"/>
+              </p:ext>
+            </p:extLst>
+          </p:nvPr>
+        </p:nvSpPr>
+        <p:spPr>
+          <a:xfrm>
+            <a:off x="0" y="0"/>
+            <a:ext cx="12192000" cy="6858000"/>
+          </a:xfrm>
+          <a:prstGeom prst="rect">
+            <a:avLst/>
+          </a:prstGeom>
+          <a:solidFill>
+            <a:srgbClr val="C8CACA"/>
+          </a:solidFill>
+          <a:ln>
+            <a:noFill/>
+          </a:ln>
+        </p:spPr>
+        <p:style>
+          <a:lnRef idx="2">
+            <a:schemeClr val="accent1">
+              <a:shade val="50000"/>
+            </a:schemeClr>
+          </a:lnRef>
+          <a:fillRef idx="1">
+            <a:schemeClr val="accent1"/>
+          </a:fillRef>
+          <a:effectRef idx="0">
+            <a:schemeClr val="accent1"/>
+          </a:effectRef>
+          <a:fontRef idx="minor">
+            <a:schemeClr val="lt1"/>
+          </a:fontRef>
+        </p:style>
+        <p:txBody>
+          <a:bodyPr rtlCol="0" anchor="ctr"/>
+          <a:lstStyle/>
+          <a:p>
+            <a:pPr algn="ctr"/>
+            <a:endParaRPr lang="en-US"/>
+          </a:p>
+        </p:txBody>
+      </p:sp>
+      <p:sp>
+        <p:nvSpPr>
+          <p:cNvPr id="2" name="Titel 1">
+            <a:extLst>
+              <a:ext uri="{FF2B5EF4-FFF2-40B4-BE49-F238E27FC236}">
+                <a16:creationId xmlns:a16="http://schemas.microsoft.com/office/drawing/2014/main" id="{F32A048B-4D26-4F9B-B9C1-A8722815BFED}"/>
+              </a:ext>
+            </a:extLst>
+          </p:cNvPr>
+          <p:cNvSpPr>
+            <a:spLocks noGrp="1"/>
+          </p:cNvSpPr>
+          <p:nvPr>
+            <p:ph type="title"/>
+          </p:nvPr>
+        </p:nvSpPr>
+        <p:spPr>
+          <a:xfrm>
+            <a:off x="603938" y="640081"/>
+            <a:ext cx="2608655" cy="5257799"/>
+          </a:xfrm>
+        </p:spPr>
+        <p:txBody>
+          <a:bodyPr vert="horz" lIns="91440" tIns="45720" rIns="91440" bIns="45720" rtlCol="0" anchor="ctr">
+            <a:normAutofit/>
+          </a:bodyPr>
+          <a:lstStyle/>
+          <a:p>
+            <a:r>
+              <a:rPr lang="en-US" sz="3600">
+                <a:solidFill>
+                  <a:srgbClr val="2C2C2C"/>
+                </a:solidFill>
+              </a:rPr>
+              <a:t>SEQUENCE DIAGRAM FOR HEATER</a:t>
+            </a:r>
+          </a:p>
+        </p:txBody>
+      </p:sp>
+      <p:sp>
+        <p:nvSpPr>
+          <p:cNvPr id="12" name="Rounded Rectangle 9">
+            <a:extLst>
+              <a:ext uri="{FF2B5EF4-FFF2-40B4-BE49-F238E27FC236}">
+                <a16:creationId xmlns:a16="http://schemas.microsoft.com/office/drawing/2014/main" id="{67048353-8981-459A-9BC6-9711CE462E06}"/>
+              </a:ext>
+              <a:ext uri="{C183D7F6-B498-43B3-948B-1728B52AA6E4}">
+                <adec:decorative xmlns:adec="http://schemas.microsoft.com/office/drawing/2017/decorative" val="1"/>
+              </a:ext>
+            </a:extLst>
+          </p:cNvPr>
+          <p:cNvSpPr>
+            <a:spLocks noGrp="1" noRot="1" noChangeAspect="1" noMove="1" noResize="1" noEditPoints="1" noAdjustHandles="1" noChangeArrowheads="1" noChangeShapeType="1" noTextEdit="1"/>
+          </p:cNvSpPr>
+          <p:nvPr>
+            <p:extLst>
+              <p:ext uri="{386F3935-93C4-4BCD-93E2-E3B085C9AB24}">
+                <p16:designElem xmlns:p16="http://schemas.microsoft.com/office/powerpoint/2015/main" val="1"/>
+              </p:ext>
+            </p:extLst>
+          </p:nvPr>
+        </p:nvSpPr>
+        <p:spPr>
+          <a:xfrm>
+            <a:off x="3580067" y="484632"/>
+            <a:ext cx="8129016" cy="5724144"/>
+          </a:xfrm>
+          <a:prstGeom prst="roundRect">
+            <a:avLst>
+              <a:gd name="adj" fmla="val 0"/>
+            </a:avLst>
+          </a:prstGeom>
+          <a:solidFill>
+            <a:srgbClr val="FFFFFF"/>
+          </a:solidFill>
+          <a:ln w="9525">
+            <a:solidFill>
+              <a:srgbClr val="C8CACA"/>
+            </a:solidFill>
+          </a:ln>
+          <a:effectLst>
+            <a:outerShdw blurRad="57150" dist="19050" dir="5400000" algn="t" rotWithShape="0">
+              <a:prstClr val="black">
+                <a:alpha val="63000"/>
+              </a:prstClr>
+            </a:outerShdw>
+          </a:effectLst>
+        </p:spPr>
+        <p:style>
+          <a:lnRef idx="2">
+            <a:schemeClr val="accent1">
+              <a:shade val="50000"/>
+            </a:schemeClr>
+          </a:lnRef>
+          <a:fillRef idx="1">
+            <a:schemeClr val="accent1"/>
+          </a:fillRef>
+          <a:effectRef idx="0">
+            <a:schemeClr val="accent1"/>
+          </a:effectRef>
+          <a:fontRef idx="minor">
+            <a:schemeClr val="lt1"/>
+          </a:fontRef>
+        </p:style>
+        <p:txBody>
+          <a:bodyPr rtlCol="0" anchor="ctr"/>
+          <a:lstStyle/>
+          <a:p>
+            <a:pPr algn="ctr"/>
+            <a:endParaRPr lang="en-US"/>
+          </a:p>
+        </p:txBody>
+      </p:sp>
+      <p:pic>
+        <p:nvPicPr>
+          <p:cNvPr id="5" name="Inhaltsplatzhalter 4">
+            <a:extLst>
+              <a:ext uri="{FF2B5EF4-FFF2-40B4-BE49-F238E27FC236}">
+                <a16:creationId xmlns:a16="http://schemas.microsoft.com/office/drawing/2014/main" id="{DB6AADEB-D501-4E41-88C9-264F06FA6F17}"/>
+              </a:ext>
+            </a:extLst>
+          </p:cNvPr>
+          <p:cNvPicPr>
+            <a:picLocks noGrp="1" noChangeAspect="1"/>
+          </p:cNvPicPr>
+          <p:nvPr>
+            <p:ph idx="1"/>
+          </p:nvPr>
+        </p:nvPicPr>
+        <p:blipFill rotWithShape="1">
+          <a:blip r:embed="rId2">
+            <a:extLst>
+              <a:ext uri="{28A0092B-C50C-407E-A947-70E740481C1C}">
+                <a14:useLocalDpi xmlns:a14="http://schemas.microsoft.com/office/drawing/2010/main" val="0"/>
+              </a:ext>
+            </a:extLst>
+          </a:blip>
+          <a:srcRect t="436" r="-5" b="24881"/>
+          <a:stretch/>
+        </p:blipFill>
+        <p:spPr>
+          <a:xfrm>
+            <a:off x="3808197" y="771525"/>
+            <a:ext cx="7417989" cy="5126355"/>
+          </a:xfrm>
+          <a:prstGeom prst="rect">
+            <a:avLst/>
+          </a:prstGeom>
+          <a:effectLst/>
+        </p:spPr>
+      </p:pic>
+    </p:spTree>
+    <p:extLst>
+      <p:ext uri="{BB962C8B-B14F-4D97-AF65-F5344CB8AC3E}">
+        <p14:creationId xmlns:p14="http://schemas.microsoft.com/office/powerpoint/2010/main" val="1624499205"/>
+      </p:ext>
+    </p:extLst>
+  </p:cSld>
+  <p:clrMapOvr>
+    <a:masterClrMapping/>
+  </p:clrMapOvr>
+</p:sld>
+</file>
+
+<file path=ppt/slides/slide8.xml><?xml version="1.0" encoding="utf-8"?>
+<p:sld xmlns:a="http://schemas.openxmlformats.org/drawingml/2006/main" xmlns:r="http://schemas.openxmlformats.org/officeDocument/2006/relationships" xmlns:p="http://schemas.openxmlformats.org/presentationml/2006/main">
+  <p:cSld>
+    <p:bg>
+      <p:bgPr>
+        <a:solidFill>
+          <a:schemeClr val="bg1"/>
+        </a:solidFill>
+        <a:effectLst/>
+      </p:bgPr>
+    </p:bg>
+    <p:spTree>
+      <p:nvGrpSpPr>
+        <p:cNvPr id="1" name=""/>
+        <p:cNvGrpSpPr/>
+        <p:nvPr/>
+      </p:nvGrpSpPr>
+      <p:grpSpPr>
+        <a:xfrm>
+          <a:off x="0" y="0"/>
+          <a:ext cx="0" cy="0"/>
+          <a:chOff x="0" y="0"/>
+          <a:chExt cx="0" cy="0"/>
+        </a:xfrm>
+      </p:grpSpPr>
+      <p:sp>
+        <p:nvSpPr>
+          <p:cNvPr id="21" name="Rectangle 9">
+            <a:extLst>
+              <a:ext uri="{FF2B5EF4-FFF2-40B4-BE49-F238E27FC236}">
+                <a16:creationId xmlns:a16="http://schemas.microsoft.com/office/drawing/2014/main" id="{6F66A575-7835-4400-BEDE-89F2EF034034}"/>
+              </a:ext>
+              <a:ext uri="{C183D7F6-B498-43B3-948B-1728B52AA6E4}">
+                <adec:decorative xmlns:adec="http://schemas.microsoft.com/office/drawing/2017/decorative" val="1"/>
+              </a:ext>
+            </a:extLst>
+          </p:cNvPr>
+          <p:cNvSpPr>
+            <a:spLocks noGrp="1" noRot="1" noChangeAspect="1" noMove="1" noResize="1" noEditPoints="1" noAdjustHandles="1" noChangeArrowheads="1" noChangeShapeType="1" noTextEdit="1"/>
+          </p:cNvSpPr>
+          <p:nvPr>
+            <p:extLst>
+              <p:ext uri="{386F3935-93C4-4BCD-93E2-E3B085C9AB24}">
+                <p16:designElem xmlns:p16="http://schemas.microsoft.com/office/powerpoint/2015/main" val="1"/>
+              </p:ext>
+            </p:extLst>
+          </p:nvPr>
+        </p:nvSpPr>
+        <p:spPr>
+          <a:xfrm>
+            <a:off x="0" y="0"/>
+            <a:ext cx="5468548" cy="6858000"/>
+          </a:xfrm>
+          <a:prstGeom prst="rect">
+            <a:avLst/>
+          </a:prstGeom>
+          <a:solidFill>
+            <a:srgbClr val="4E2E46"/>
+          </a:solidFill>
+          <a:ln>
+            <a:noFill/>
+          </a:ln>
+        </p:spPr>
+        <p:style>
+          <a:lnRef idx="2">
+            <a:schemeClr val="accent1">
+              <a:shade val="50000"/>
+            </a:schemeClr>
+          </a:lnRef>
+          <a:fillRef idx="1">
+            <a:schemeClr val="accent1"/>
+          </a:fillRef>
+          <a:effectRef idx="0">
+            <a:schemeClr val="accent1"/>
+          </a:effectRef>
+          <a:fontRef idx="minor">
+            <a:schemeClr val="lt1"/>
+          </a:fontRef>
+        </p:style>
+        <p:txBody>
+          <a:bodyPr rtlCol="0" anchor="ctr"/>
+          <a:lstStyle/>
+          <a:p>
+            <a:pPr algn="ctr"/>
+            <a:endParaRPr lang="en-US"/>
+          </a:p>
+        </p:txBody>
+      </p:sp>
+      <p:sp>
+        <p:nvSpPr>
+          <p:cNvPr id="2" name="Titel 1">
+            <a:extLst>
+              <a:ext uri="{FF2B5EF4-FFF2-40B4-BE49-F238E27FC236}">
+                <a16:creationId xmlns:a16="http://schemas.microsoft.com/office/drawing/2014/main" id="{5F0E556C-D1B9-475B-8777-07838745795E}"/>
+              </a:ext>
+            </a:extLst>
+          </p:cNvPr>
+          <p:cNvSpPr>
+            <a:spLocks noGrp="1"/>
+          </p:cNvSpPr>
+          <p:nvPr>
+            <p:ph type="title"/>
+          </p:nvPr>
+        </p:nvSpPr>
+        <p:spPr>
+          <a:xfrm>
+            <a:off x="621629" y="640080"/>
+            <a:ext cx="4225290" cy="5578816"/>
+          </a:xfrm>
+        </p:spPr>
+        <p:txBody>
+          <a:bodyPr vert="horz" lIns="91440" tIns="45720" rIns="91440" bIns="45720" rtlCol="0" anchor="ctr">
+            <a:normAutofit/>
+          </a:bodyPr>
+          <a:lstStyle/>
+          <a:p>
+            <a:pPr algn="ctr"/>
+            <a:r>
+              <a:rPr lang="en-US">
+                <a:solidFill>
+                  <a:srgbClr val="FFFFFF"/>
+                </a:solidFill>
+              </a:rPr>
+              <a:t>MORE GENERAL FORM</a:t>
+            </a:r>
+          </a:p>
+        </p:txBody>
+      </p:sp>
+      <p:pic>
+        <p:nvPicPr>
+          <p:cNvPr id="5" name="Inhaltsplatzhalter 4">
+            <a:extLst>
+              <a:ext uri="{FF2B5EF4-FFF2-40B4-BE49-F238E27FC236}">
+                <a16:creationId xmlns:a16="http://schemas.microsoft.com/office/drawing/2014/main" id="{BED36E8E-40CD-4403-8E41-90B5A7A08542}"/>
+              </a:ext>
+            </a:extLst>
+          </p:cNvPr>
+          <p:cNvPicPr>
+            <a:picLocks noGrp="1" noChangeAspect="1"/>
+          </p:cNvPicPr>
+          <p:nvPr>
+            <p:ph idx="1"/>
+          </p:nvPr>
+        </p:nvPicPr>
+        <p:blipFill rotWithShape="1">
+          <a:blip r:embed="rId2">
+            <a:extLst>
+              <a:ext uri="{28A0092B-C50C-407E-A947-70E740481C1C}">
+                <a14:useLocalDpi xmlns:a14="http://schemas.microsoft.com/office/drawing/2010/main" val="0"/>
+              </a:ext>
+            </a:extLst>
+          </a:blip>
+          <a:srcRect r="2870" b="-3"/>
+          <a:stretch/>
+        </p:blipFill>
+        <p:spPr>
+          <a:xfrm>
+            <a:off x="5793278" y="330740"/>
+            <a:ext cx="5762192" cy="6060332"/>
+          </a:xfrm>
+          <a:prstGeom prst="rect">
+            <a:avLst/>
+          </a:prstGeom>
+        </p:spPr>
+      </p:pic>
+    </p:spTree>
+    <p:extLst>
+      <p:ext uri="{BB962C8B-B14F-4D97-AF65-F5344CB8AC3E}">
+        <p14:creationId xmlns:p14="http://schemas.microsoft.com/office/powerpoint/2010/main" val="3767930465"/>
+      </p:ext>
+    </p:extLst>
+  </p:cSld>
+  <p:clrMapOvr>
+    <a:masterClrMapping/>
+  </p:clrMapOvr>
+</p:sld>
+</file>
+
 <file path=ppt/theme/theme1.xml><?xml version="1.0" encoding="utf-8"?>
 <a:theme xmlns:a="http://schemas.openxmlformats.org/drawingml/2006/main" name="Office">
   <a:themeElements>

--- a/Project_Week_7/Precise Analysis.pptx
+++ b/Project_Week_7/Precise Analysis.pptx
@@ -4807,10 +4807,10 @@
       </p:sp>
       <p:pic>
         <p:nvPicPr>
-          <p:cNvPr id="5" name="Inhaltsplatzhalter 4">
-            <a:extLst>
-              <a:ext uri="{FF2B5EF4-FFF2-40B4-BE49-F238E27FC236}">
-                <a16:creationId xmlns:a16="http://schemas.microsoft.com/office/drawing/2014/main" id="{BED36E8E-40CD-4403-8E41-90B5A7A08542}"/>
+          <p:cNvPr id="7" name="Inhaltsplatzhalter 6">
+            <a:extLst>
+              <a:ext uri="{FF2B5EF4-FFF2-40B4-BE49-F238E27FC236}">
+                <a16:creationId xmlns:a16="http://schemas.microsoft.com/office/drawing/2014/main" id="{13B25946-65E2-4813-8B3C-CA4DCECF5B81}"/>
               </a:ext>
             </a:extLst>
           </p:cNvPr>
@@ -4821,7 +4821,7 @@
             <p:ph idx="1"/>
           </p:nvPr>
         </p:nvPicPr>
-        <p:blipFill rotWithShape="1">
+        <p:blipFill>
           <a:blip r:embed="rId2">
             <a:extLst>
               <a:ext uri="{28A0092B-C50C-407E-A947-70E740481C1C}">
@@ -4829,17 +4829,15 @@
               </a:ext>
             </a:extLst>
           </a:blip>
-          <a:srcRect r="2870" b="-3"/>
-          <a:stretch/>
+          <a:stretch>
+            <a:fillRect/>
+          </a:stretch>
         </p:blipFill>
         <p:spPr>
           <a:xfrm>
-            <a:off x="5793278" y="330740"/>
-            <a:ext cx="5762192" cy="6060332"/>
+            <a:off x="5573949" y="107004"/>
+            <a:ext cx="6361889" cy="6546715"/>
           </a:xfrm>
-          <a:prstGeom prst="rect">
-            <a:avLst/>
-          </a:prstGeom>
         </p:spPr>
       </p:pic>
     </p:spTree>
